--- a/outros/mednager_pitch.pptx
+++ b/outros/mednager_pitch.pptx
@@ -7,10 +7,10 @@
     <p:sldMasterId id="2147483681" r:id="rId3"/>
   </p:sldMasterIdLst>
   <p:notesMasterIdLst>
-    <p:notesMasterId r:id="rId14"/>
+    <p:notesMasterId r:id="rId16"/>
   </p:notesMasterIdLst>
   <p:handoutMasterIdLst>
-    <p:handoutMasterId r:id="rId15"/>
+    <p:handoutMasterId r:id="rId17"/>
   </p:handoutMasterIdLst>
   <p:sldIdLst>
     <p:sldId id="297" r:id="rId4"/>
@@ -23,6 +23,8 @@
     <p:sldId id="305" r:id="rId11"/>
     <p:sldId id="317" r:id="rId12"/>
     <p:sldId id="318" r:id="rId13"/>
+    <p:sldId id="320" r:id="rId14"/>
+    <p:sldId id="321" r:id="rId15"/>
   </p:sldIdLst>
   <p:sldSz cx="9144000" cy="5143500" type="screen16x9"/>
   <p:notesSz cx="6858000" cy="9144000"/>
@@ -14987,6 +14989,502 @@
     <p:extLst>
       <p:ext uri="{BB962C8B-B14F-4D97-AF65-F5344CB8AC3E}">
         <p14:creationId xmlns:p14="http://schemas.microsoft.com/office/powerpoint/2010/main" val="2401853048"/>
+      </p:ext>
+    </p:extLst>
+  </p:cSld>
+  <p:clrMapOvr>
+    <a:masterClrMapping/>
+  </p:clrMapOvr>
+</p:sld>
+</file>
+
+<file path=ppt/slides/slide11.xml><?xml version="1.0" encoding="utf-8"?>
+<p:sld xmlns:a="http://schemas.openxmlformats.org/drawingml/2006/main" xmlns:r="http://schemas.openxmlformats.org/officeDocument/2006/relationships" xmlns:p="http://schemas.openxmlformats.org/presentationml/2006/main">
+  <p:cSld>
+    <p:bg>
+      <p:bgPr>
+        <a:gradFill>
+          <a:gsLst>
+            <a:gs pos="100000">
+              <a:srgbClr val="3391A7"/>
+            </a:gs>
+            <a:gs pos="60000">
+              <a:schemeClr val="accent1">
+                <a:lumMod val="40000"/>
+                <a:lumOff val="60000"/>
+              </a:schemeClr>
+            </a:gs>
+            <a:gs pos="39000">
+              <a:schemeClr val="bg2">
+                <a:lumMod val="60000"/>
+                <a:lumOff val="40000"/>
+              </a:schemeClr>
+            </a:gs>
+            <a:gs pos="21000">
+              <a:schemeClr val="bg2">
+                <a:lumMod val="40000"/>
+                <a:lumOff val="60000"/>
+              </a:schemeClr>
+            </a:gs>
+            <a:gs pos="0">
+              <a:schemeClr val="bg1"/>
+            </a:gs>
+            <a:gs pos="96000">
+              <a:srgbClr val="3CA8C2"/>
+            </a:gs>
+            <a:gs pos="79000">
+              <a:srgbClr val="5FBACE"/>
+            </a:gs>
+          </a:gsLst>
+          <a:lin ang="5400000" scaled="1"/>
+        </a:gradFill>
+        <a:effectLst/>
+      </p:bgPr>
+    </p:bg>
+    <p:spTree>
+      <p:nvGrpSpPr>
+        <p:cNvPr id="1" name=""/>
+        <p:cNvGrpSpPr/>
+        <p:nvPr/>
+      </p:nvGrpSpPr>
+      <p:grpSpPr>
+        <a:xfrm>
+          <a:off x="0" y="0"/>
+          <a:ext cx="0" cy="0"/>
+          <a:chOff x="0" y="0"/>
+          <a:chExt cx="0" cy="0"/>
+        </a:xfrm>
+      </p:grpSpPr>
+      <p:sp>
+        <p:nvSpPr>
+          <p:cNvPr id="5" name="CaixaDeTexto 4">
+            <a:extLst>
+              <a:ext uri="{FF2B5EF4-FFF2-40B4-BE49-F238E27FC236}">
+                <a16:creationId xmlns:a16="http://schemas.microsoft.com/office/drawing/2014/main" id="{92843FCA-4E20-4D68-9DD3-E48EA5D726C0}"/>
+              </a:ext>
+            </a:extLst>
+          </p:cNvPr>
+          <p:cNvSpPr txBox="1"/>
+          <p:nvPr/>
+        </p:nvSpPr>
+        <p:spPr>
+          <a:xfrm>
+            <a:off x="6928607" y="10152752"/>
+            <a:ext cx="269576" cy="1754326"/>
+          </a:xfrm>
+          <a:prstGeom prst="rect">
+            <a:avLst/>
+          </a:prstGeom>
+          <a:noFill/>
+        </p:spPr>
+        <p:txBody>
+          <a:bodyPr wrap="square" rtlCol="0">
+            <a:spAutoFit/>
+          </a:bodyPr>
+          <a:lstStyle/>
+          <a:p>
+            <a:r>
+              <a:rPr lang="pt-PT" sz="1200" dirty="0">
+                <a:latin typeface="Tw Cen MT" panose="020B0602020104020603" pitchFamily="34" charset="0"/>
+              </a:rPr>
+              <a:t>IEFP Évora</a:t>
+            </a:r>
+            <a:endParaRPr lang="pt-PT" sz="1400" b="1" dirty="0">
+              <a:latin typeface="Tw Cen MT" panose="020B0602020104020603" pitchFamily="34" charset="0"/>
+              <a:cs typeface="IrisUPC" panose="020B0604020202020204" pitchFamily="34" charset="-34"/>
+            </a:endParaRPr>
+          </a:p>
+        </p:txBody>
+      </p:sp>
+      <p:sp>
+        <p:nvSpPr>
+          <p:cNvPr id="6" name="CaixaDeTexto 5"/>
+          <p:cNvSpPr txBox="1"/>
+          <p:nvPr/>
+        </p:nvSpPr>
+        <p:spPr>
+          <a:xfrm>
+            <a:off x="1169954" y="1357774"/>
+            <a:ext cx="5706302" cy="1862048"/>
+          </a:xfrm>
+          <a:prstGeom prst="rect">
+            <a:avLst/>
+          </a:prstGeom>
+          <a:noFill/>
+        </p:spPr>
+        <p:txBody>
+          <a:bodyPr wrap="square" rtlCol="0">
+            <a:spAutoFit/>
+          </a:bodyPr>
+          <a:lstStyle/>
+          <a:p>
+            <a:r>
+              <a:rPr lang="pt-PT" sz="11500" dirty="0">
+                <a:solidFill>
+                  <a:srgbClr val="5FBACE"/>
+                </a:solidFill>
+                <a:effectLst>
+                  <a:reflection blurRad="6350" stA="50000" endA="300" endPos="50000" dist="29997" dir="5400000" sy="-100000" algn="bl" rotWithShape="0"/>
+                </a:effectLst>
+                <a:latin typeface="Caviar Dreams" panose="020B0402020204020504" pitchFamily="34" charset="0"/>
+              </a:rPr>
+              <a:t>med</a:t>
+            </a:r>
+            <a:r>
+              <a:rPr lang="pt-PT" sz="11500" dirty="0">
+                <a:solidFill>
+                  <a:srgbClr val="15292E"/>
+                </a:solidFill>
+                <a:effectLst>
+                  <a:reflection blurRad="6350" stA="50000" endA="300" endPos="50000" dist="29997" dir="5400000" sy="-100000" algn="bl" rotWithShape="0"/>
+                </a:effectLst>
+                <a:latin typeface="Caviar Dreams" panose="020B0402020204020504" pitchFamily="34" charset="0"/>
+              </a:rPr>
+              <a:t>na</a:t>
+            </a:r>
+            <a:endParaRPr lang="en-GB" sz="11500" dirty="0">
+              <a:solidFill>
+                <a:srgbClr val="15292E"/>
+              </a:solidFill>
+              <a:effectLst>
+                <a:reflection blurRad="6350" stA="50000" endA="300" endPos="50000" dist="29997" dir="5400000" sy="-100000" algn="bl" rotWithShape="0"/>
+              </a:effectLst>
+              <a:latin typeface="Caviar Dreams" panose="020B0402020204020504" pitchFamily="34" charset="0"/>
+            </a:endParaRPr>
+          </a:p>
+        </p:txBody>
+      </p:sp>
+      <p:sp>
+        <p:nvSpPr>
+          <p:cNvPr id="11" name="CaixaDeTexto 10"/>
+          <p:cNvSpPr txBox="1"/>
+          <p:nvPr/>
+        </p:nvSpPr>
+        <p:spPr>
+          <a:xfrm>
+            <a:off x="6843187" y="1357774"/>
+            <a:ext cx="2697365" cy="1862048"/>
+          </a:xfrm>
+          <a:prstGeom prst="rect">
+            <a:avLst/>
+          </a:prstGeom>
+          <a:noFill/>
+        </p:spPr>
+        <p:txBody>
+          <a:bodyPr wrap="square" rtlCol="0">
+            <a:spAutoFit/>
+          </a:bodyPr>
+          <a:lstStyle/>
+          <a:p>
+            <a:r>
+              <a:rPr lang="pt-PT" sz="11500" dirty="0">
+                <a:solidFill>
+                  <a:srgbClr val="15292E"/>
+                </a:solidFill>
+                <a:effectLst>
+                  <a:reflection blurRad="6350" stA="50000" endA="300" endPos="50000" dist="29997" dir="5400000" sy="-100000" algn="bl" rotWithShape="0"/>
+                </a:effectLst>
+                <a:latin typeface="Caviar Dreams" panose="020B0402020204020504" pitchFamily="34" charset="0"/>
+              </a:rPr>
+              <a:t>er</a:t>
+            </a:r>
+            <a:endParaRPr lang="en-GB" sz="11500" dirty="0">
+              <a:solidFill>
+                <a:srgbClr val="15292E"/>
+              </a:solidFill>
+              <a:effectLst>
+                <a:reflection blurRad="6350" stA="50000" endA="300" endPos="50000" dist="29997" dir="5400000" sy="-100000" algn="bl" rotWithShape="0"/>
+              </a:effectLst>
+              <a:latin typeface="Caviar Dreams" panose="020B0402020204020504" pitchFamily="34" charset="0"/>
+            </a:endParaRPr>
+          </a:p>
+        </p:txBody>
+      </p:sp>
+      <p:pic>
+        <p:nvPicPr>
+          <p:cNvPr id="12" name="Imagem 11"/>
+          <p:cNvPicPr>
+            <a:picLocks noChangeAspect="1"/>
+          </p:cNvPicPr>
+          <p:nvPr/>
+        </p:nvPicPr>
+        <p:blipFill rotWithShape="1">
+          <a:blip r:embed="rId2" cstate="print">
+            <a:extLst>
+              <a:ext uri="{BEBA8EAE-BF5A-486C-A8C5-ECC9F3942E4B}">
+                <a14:imgProps xmlns:a14="http://schemas.microsoft.com/office/drawing/2010/main">
+                  <a14:imgLayer r:embed="rId3">
+                    <a14:imgEffect>
+                      <a14:backgroundRemoval t="13720" b="89879" l="13269" r="56419"/>
+                    </a14:imgEffect>
+                  </a14:imgLayer>
+                </a14:imgProps>
+              </a:ext>
+              <a:ext uri="{28A0092B-C50C-407E-A947-70E740481C1C}">
+                <a14:useLocalDpi xmlns:a14="http://schemas.microsoft.com/office/drawing/2010/main" val="0"/>
+              </a:ext>
+            </a:extLst>
+          </a:blip>
+          <a:srcRect l="7875" t="4200" r="38187" b="601"/>
+          <a:stretch/>
+        </p:blipFill>
+        <p:spPr>
+          <a:xfrm rot="20097300">
+            <a:off x="4924471" y="1736329"/>
+            <a:ext cx="2792405" cy="2772308"/>
+          </a:xfrm>
+          <a:prstGeom prst="ellipse">
+            <a:avLst/>
+          </a:prstGeom>
+        </p:spPr>
+      </p:pic>
+    </p:spTree>
+    <p:extLst>
+      <p:ext uri="{BB962C8B-B14F-4D97-AF65-F5344CB8AC3E}">
+        <p14:creationId xmlns:p14="http://schemas.microsoft.com/office/powerpoint/2010/main" val="3489734206"/>
+      </p:ext>
+    </p:extLst>
+  </p:cSld>
+  <p:clrMapOvr>
+    <a:masterClrMapping/>
+  </p:clrMapOvr>
+</p:sld>
+</file>
+
+<file path=ppt/slides/slide12.xml><?xml version="1.0" encoding="utf-8"?>
+<p:sld xmlns:a="http://schemas.openxmlformats.org/drawingml/2006/main" xmlns:r="http://schemas.openxmlformats.org/officeDocument/2006/relationships" xmlns:p="http://schemas.openxmlformats.org/presentationml/2006/main">
+  <p:cSld>
+    <p:bg>
+      <p:bgPr>
+        <a:gradFill>
+          <a:gsLst>
+            <a:gs pos="100000">
+              <a:srgbClr val="3391A7"/>
+            </a:gs>
+            <a:gs pos="60000">
+              <a:schemeClr val="accent1">
+                <a:lumMod val="40000"/>
+                <a:lumOff val="60000"/>
+              </a:schemeClr>
+            </a:gs>
+            <a:gs pos="39000">
+              <a:schemeClr val="bg2">
+                <a:lumMod val="60000"/>
+                <a:lumOff val="40000"/>
+              </a:schemeClr>
+            </a:gs>
+            <a:gs pos="21000">
+              <a:schemeClr val="bg2">
+                <a:lumMod val="40000"/>
+                <a:lumOff val="60000"/>
+              </a:schemeClr>
+            </a:gs>
+            <a:gs pos="0">
+              <a:schemeClr val="bg1"/>
+            </a:gs>
+            <a:gs pos="96000">
+              <a:srgbClr val="3CA8C2"/>
+            </a:gs>
+            <a:gs pos="79000">
+              <a:srgbClr val="5FBACE"/>
+            </a:gs>
+          </a:gsLst>
+          <a:lin ang="5400000" scaled="1"/>
+        </a:gradFill>
+        <a:effectLst/>
+      </p:bgPr>
+    </p:bg>
+    <p:spTree>
+      <p:nvGrpSpPr>
+        <p:cNvPr id="1" name=""/>
+        <p:cNvGrpSpPr/>
+        <p:nvPr/>
+      </p:nvGrpSpPr>
+      <p:grpSpPr>
+        <a:xfrm>
+          <a:off x="0" y="0"/>
+          <a:ext cx="0" cy="0"/>
+          <a:chOff x="0" y="0"/>
+          <a:chExt cx="0" cy="0"/>
+        </a:xfrm>
+      </p:grpSpPr>
+      <p:sp>
+        <p:nvSpPr>
+          <p:cNvPr id="5" name="CaixaDeTexto 4">
+            <a:extLst>
+              <a:ext uri="{FF2B5EF4-FFF2-40B4-BE49-F238E27FC236}">
+                <a16:creationId xmlns:a16="http://schemas.microsoft.com/office/drawing/2014/main" id="{92843FCA-4E20-4D68-9DD3-E48EA5D726C0}"/>
+              </a:ext>
+            </a:extLst>
+          </p:cNvPr>
+          <p:cNvSpPr txBox="1"/>
+          <p:nvPr/>
+        </p:nvSpPr>
+        <p:spPr>
+          <a:xfrm>
+            <a:off x="6928607" y="10152752"/>
+            <a:ext cx="269576" cy="1754326"/>
+          </a:xfrm>
+          <a:prstGeom prst="rect">
+            <a:avLst/>
+          </a:prstGeom>
+          <a:noFill/>
+        </p:spPr>
+        <p:txBody>
+          <a:bodyPr wrap="square" rtlCol="0">
+            <a:spAutoFit/>
+          </a:bodyPr>
+          <a:lstStyle/>
+          <a:p>
+            <a:r>
+              <a:rPr lang="pt-PT" sz="1200" dirty="0">
+                <a:latin typeface="Tw Cen MT" panose="020B0602020104020603" pitchFamily="34" charset="0"/>
+              </a:rPr>
+              <a:t>IEFP Évora</a:t>
+            </a:r>
+            <a:endParaRPr lang="pt-PT" sz="1400" b="1" dirty="0">
+              <a:latin typeface="Tw Cen MT" panose="020B0602020104020603" pitchFamily="34" charset="0"/>
+              <a:cs typeface="IrisUPC" panose="020B0604020202020204" pitchFamily="34" charset="-34"/>
+            </a:endParaRPr>
+          </a:p>
+        </p:txBody>
+      </p:sp>
+      <p:sp>
+        <p:nvSpPr>
+          <p:cNvPr id="6" name="CaixaDeTexto 5"/>
+          <p:cNvSpPr txBox="1"/>
+          <p:nvPr/>
+        </p:nvSpPr>
+        <p:spPr>
+          <a:xfrm>
+            <a:off x="1169954" y="1357774"/>
+            <a:ext cx="5706302" cy="1862048"/>
+          </a:xfrm>
+          <a:prstGeom prst="rect">
+            <a:avLst/>
+          </a:prstGeom>
+          <a:noFill/>
+        </p:spPr>
+        <p:txBody>
+          <a:bodyPr wrap="square" rtlCol="0">
+            <a:spAutoFit/>
+          </a:bodyPr>
+          <a:lstStyle/>
+          <a:p>
+            <a:r>
+              <a:rPr lang="pt-PT" sz="11500" dirty="0">
+                <a:solidFill>
+                  <a:srgbClr val="5FBACE"/>
+                </a:solidFill>
+                <a:effectLst/>
+                <a:latin typeface="Caviar Dreams" panose="020B0402020204020504" pitchFamily="34" charset="0"/>
+              </a:rPr>
+              <a:t>med</a:t>
+            </a:r>
+            <a:r>
+              <a:rPr lang="pt-PT" sz="11500" dirty="0">
+                <a:solidFill>
+                  <a:srgbClr val="15292E"/>
+                </a:solidFill>
+                <a:effectLst/>
+                <a:latin typeface="Caviar Dreams" panose="020B0402020204020504" pitchFamily="34" charset="0"/>
+              </a:rPr>
+              <a:t>na</a:t>
+            </a:r>
+            <a:endParaRPr lang="en-GB" sz="11500" dirty="0">
+              <a:solidFill>
+                <a:srgbClr val="15292E"/>
+              </a:solidFill>
+              <a:effectLst/>
+              <a:latin typeface="Caviar Dreams" panose="020B0402020204020504" pitchFamily="34" charset="0"/>
+            </a:endParaRPr>
+          </a:p>
+        </p:txBody>
+      </p:sp>
+      <p:sp>
+        <p:nvSpPr>
+          <p:cNvPr id="11" name="CaixaDeTexto 10"/>
+          <p:cNvSpPr txBox="1"/>
+          <p:nvPr/>
+        </p:nvSpPr>
+        <p:spPr>
+          <a:xfrm>
+            <a:off x="6843187" y="1357774"/>
+            <a:ext cx="2697365" cy="1862048"/>
+          </a:xfrm>
+          <a:prstGeom prst="rect">
+            <a:avLst/>
+          </a:prstGeom>
+          <a:noFill/>
+        </p:spPr>
+        <p:txBody>
+          <a:bodyPr wrap="square" rtlCol="0">
+            <a:spAutoFit/>
+          </a:bodyPr>
+          <a:lstStyle/>
+          <a:p>
+            <a:r>
+              <a:rPr lang="pt-PT" sz="11500" dirty="0">
+                <a:solidFill>
+                  <a:srgbClr val="15292E"/>
+                </a:solidFill>
+                <a:effectLst/>
+                <a:latin typeface="Caviar Dreams" panose="020B0402020204020504" pitchFamily="34" charset="0"/>
+              </a:rPr>
+              <a:t>er</a:t>
+            </a:r>
+            <a:endParaRPr lang="en-GB" sz="11500" dirty="0">
+              <a:solidFill>
+                <a:srgbClr val="15292E"/>
+              </a:solidFill>
+              <a:effectLst/>
+              <a:latin typeface="Caviar Dreams" panose="020B0402020204020504" pitchFamily="34" charset="0"/>
+            </a:endParaRPr>
+          </a:p>
+        </p:txBody>
+      </p:sp>
+      <p:pic>
+        <p:nvPicPr>
+          <p:cNvPr id="12" name="Imagem 11"/>
+          <p:cNvPicPr>
+            <a:picLocks noChangeAspect="1"/>
+          </p:cNvPicPr>
+          <p:nvPr/>
+        </p:nvPicPr>
+        <p:blipFill rotWithShape="1">
+          <a:blip r:embed="rId2" cstate="print">
+            <a:extLst>
+              <a:ext uri="{BEBA8EAE-BF5A-486C-A8C5-ECC9F3942E4B}">
+                <a14:imgProps xmlns:a14="http://schemas.microsoft.com/office/drawing/2010/main">
+                  <a14:imgLayer r:embed="rId3">
+                    <a14:imgEffect>
+                      <a14:backgroundRemoval t="13720" b="89879" l="13269" r="56419"/>
+                    </a14:imgEffect>
+                  </a14:imgLayer>
+                </a14:imgProps>
+              </a:ext>
+              <a:ext uri="{28A0092B-C50C-407E-A947-70E740481C1C}">
+                <a14:useLocalDpi xmlns:a14="http://schemas.microsoft.com/office/drawing/2010/main" val="0"/>
+              </a:ext>
+            </a:extLst>
+          </a:blip>
+          <a:srcRect l="7875" t="4200" r="38187" b="601"/>
+          <a:stretch/>
+        </p:blipFill>
+        <p:spPr>
+          <a:xfrm rot="20097300">
+            <a:off x="4924471" y="1736329"/>
+            <a:ext cx="2792405" cy="2772308"/>
+          </a:xfrm>
+          <a:prstGeom prst="ellipse">
+            <a:avLst/>
+          </a:prstGeom>
+        </p:spPr>
+      </p:pic>
+    </p:spTree>
+    <p:extLst>
+      <p:ext uri="{BB962C8B-B14F-4D97-AF65-F5344CB8AC3E}">
+        <p14:creationId xmlns:p14="http://schemas.microsoft.com/office/powerpoint/2010/main" val="1359874116"/>
       </p:ext>
     </p:extLst>
   </p:cSld>

--- a/outros/mednager_pitch.pptx
+++ b/outros/mednager_pitch.pptx
@@ -7,10 +7,10 @@
     <p:sldMasterId id="2147483681" r:id="rId3"/>
   </p:sldMasterIdLst>
   <p:notesMasterIdLst>
-    <p:notesMasterId r:id="rId14"/>
+    <p:notesMasterId r:id="rId11"/>
   </p:notesMasterIdLst>
   <p:handoutMasterIdLst>
-    <p:handoutMasterId r:id="rId15"/>
+    <p:handoutMasterId r:id="rId12"/>
   </p:handoutMasterIdLst>
   <p:sldIdLst>
     <p:sldId id="297" r:id="rId4"/>
@@ -19,10 +19,7 @@
     <p:sldId id="301" r:id="rId7"/>
     <p:sldId id="304" r:id="rId8"/>
     <p:sldId id="305" r:id="rId9"/>
-    <p:sldId id="317" r:id="rId10"/>
-    <p:sldId id="318" r:id="rId11"/>
-    <p:sldId id="320" r:id="rId12"/>
-    <p:sldId id="321" r:id="rId13"/>
+    <p:sldId id="320" r:id="rId10"/>
   </p:sldIdLst>
   <p:sldSz cx="9144000" cy="5143500" type="screen16x9"/>
   <p:notesSz cx="6858000" cy="9144000"/>
@@ -10008,629 +10005,6 @@
 </file>
 
 <file path=ppt/slideLayouts/slideLayout40.xml><?xml version="1.0" encoding="utf-8"?>
-<p:sldLayout xmlns:a="http://schemas.openxmlformats.org/drawingml/2006/main" xmlns:r="http://schemas.openxmlformats.org/officeDocument/2006/relationships" xmlns:p="http://schemas.openxmlformats.org/presentationml/2006/main" userDrawn="1">
-  <p:cSld name="2_Images and Contents Layout">
-    <p:spTree>
-      <p:nvGrpSpPr>
-        <p:cNvPr id="1" name=""/>
-        <p:cNvGrpSpPr/>
-        <p:nvPr/>
-      </p:nvGrpSpPr>
-      <p:grpSpPr>
-        <a:xfrm>
-          <a:off x="0" y="0"/>
-          <a:ext cx="0" cy="0"/>
-          <a:chOff x="0" y="0"/>
-          <a:chExt cx="0" cy="0"/>
-        </a:xfrm>
-      </p:grpSpPr>
-      <p:pic>
-        <p:nvPicPr>
-          <p:cNvPr id="5" name="Picture 2" descr="D:\Fullppt\PNG이미지\핸드폰2.png"/>
-          <p:cNvPicPr>
-            <a:picLocks noChangeAspect="1" noChangeArrowheads="1"/>
-          </p:cNvPicPr>
-          <p:nvPr userDrawn="1"/>
-        </p:nvPicPr>
-        <p:blipFill>
-          <a:blip r:embed="rId2">
-            <a:extLst>
-              <a:ext uri="{28A0092B-C50C-407E-A947-70E740481C1C}">
-                <a14:useLocalDpi xmlns:a14="http://schemas.microsoft.com/office/drawing/2010/main" val="0"/>
-              </a:ext>
-            </a:extLst>
-          </a:blip>
-          <a:srcRect/>
-          <a:stretch>
-            <a:fillRect/>
-          </a:stretch>
-        </p:blipFill>
-        <p:spPr bwMode="auto">
-          <a:xfrm>
-            <a:off x="3070880" y="1497141"/>
-            <a:ext cx="2808312" cy="3400810"/>
-          </a:xfrm>
-          <a:prstGeom prst="rect">
-            <a:avLst/>
-          </a:prstGeom>
-          <a:noFill/>
-          <a:extLst>
-            <a:ext uri="{909E8E84-426E-40DD-AFC4-6F175D3DCCD1}">
-              <a14:hiddenFill xmlns:a14="http://schemas.microsoft.com/office/drawing/2010/main">
-                <a:solidFill>
-                  <a:srgbClr val="FFFFFF"/>
-                </a:solidFill>
-              </a14:hiddenFill>
-            </a:ext>
-          </a:extLst>
-        </p:spPr>
-      </p:pic>
-      <p:sp>
-        <p:nvSpPr>
-          <p:cNvPr id="6" name="Picture Placeholder 2"/>
-          <p:cNvSpPr>
-            <a:spLocks noGrp="1"/>
-          </p:cNvSpPr>
-          <p:nvPr>
-            <p:ph type="pic" idx="1" hasCustomPrompt="1"/>
-          </p:nvPr>
-        </p:nvSpPr>
-        <p:spPr>
-          <a:xfrm>
-            <a:off x="3755527" y="1635289"/>
-            <a:ext cx="1619609" cy="2501798"/>
-          </a:xfrm>
-          <a:prstGeom prst="rect">
-            <a:avLst/>
-          </a:prstGeom>
-          <a:solidFill>
-            <a:schemeClr val="bg1">
-              <a:lumMod val="95000"/>
-            </a:schemeClr>
-          </a:solidFill>
-        </p:spPr>
-        <p:txBody>
-          <a:bodyPr anchor="ctr"/>
-          <a:lstStyle>
-            <a:lvl1pPr marL="0" indent="0" algn="ctr">
-              <a:buNone/>
-              <a:defRPr sz="1200" baseline="0">
-                <a:solidFill>
-                  <a:schemeClr val="tx1">
-                    <a:lumMod val="75000"/>
-                    <a:lumOff val="25000"/>
-                  </a:schemeClr>
-                </a:solidFill>
-                <a:latin typeface="+mn-lt"/>
-                <a:cs typeface="Arial" pitchFamily="34" charset="0"/>
-              </a:defRPr>
-            </a:lvl1pPr>
-            <a:lvl2pPr marL="457200" indent="0">
-              <a:buNone/>
-              <a:defRPr sz="2800"/>
-            </a:lvl2pPr>
-            <a:lvl3pPr marL="914400" indent="0">
-              <a:buNone/>
-              <a:defRPr sz="2400"/>
-            </a:lvl3pPr>
-            <a:lvl4pPr marL="1371600" indent="0">
-              <a:buNone/>
-              <a:defRPr sz="2000"/>
-            </a:lvl4pPr>
-            <a:lvl5pPr marL="1828800" indent="0">
-              <a:buNone/>
-              <a:defRPr sz="2000"/>
-            </a:lvl5pPr>
-            <a:lvl6pPr marL="2286000" indent="0">
-              <a:buNone/>
-              <a:defRPr sz="2000"/>
-            </a:lvl6pPr>
-            <a:lvl7pPr marL="2743200" indent="0">
-              <a:buNone/>
-              <a:defRPr sz="2000"/>
-            </a:lvl7pPr>
-            <a:lvl8pPr marL="3200400" indent="0">
-              <a:buNone/>
-              <a:defRPr sz="2000"/>
-            </a:lvl8pPr>
-            <a:lvl9pPr marL="3657600" indent="0">
-              <a:buNone/>
-              <a:defRPr sz="2000"/>
-            </a:lvl9pPr>
-          </a:lstStyle>
-          <a:p>
-            <a:r>
-              <a:rPr lang="en-US" altLang="ko-KR" dirty="0"/>
-              <a:t>Your Picture Here</a:t>
-            </a:r>
-            <a:endParaRPr lang="ko-KR" altLang="en-US" dirty="0"/>
-          </a:p>
-        </p:txBody>
-      </p:sp>
-      <p:sp>
-        <p:nvSpPr>
-          <p:cNvPr id="7" name="Picture Placeholder 2"/>
-          <p:cNvSpPr>
-            <a:spLocks noGrp="1"/>
-          </p:cNvSpPr>
-          <p:nvPr>
-            <p:ph type="pic" idx="12" hasCustomPrompt="1"/>
-          </p:nvPr>
-        </p:nvSpPr>
-        <p:spPr>
-          <a:xfrm>
-            <a:off x="1964472" y="1635289"/>
-            <a:ext cx="1619609" cy="2501798"/>
-          </a:xfrm>
-          <a:prstGeom prst="rect">
-            <a:avLst/>
-          </a:prstGeom>
-          <a:solidFill>
-            <a:schemeClr val="bg1">
-              <a:lumMod val="95000"/>
-            </a:schemeClr>
-          </a:solidFill>
-        </p:spPr>
-        <p:txBody>
-          <a:bodyPr anchor="ctr"/>
-          <a:lstStyle>
-            <a:lvl1pPr marL="0" indent="0" algn="ctr">
-              <a:buNone/>
-              <a:defRPr sz="1200" baseline="0">
-                <a:solidFill>
-                  <a:schemeClr val="tx1">
-                    <a:lumMod val="75000"/>
-                    <a:lumOff val="25000"/>
-                  </a:schemeClr>
-                </a:solidFill>
-                <a:latin typeface="+mn-lt"/>
-                <a:cs typeface="Arial" pitchFamily="34" charset="0"/>
-              </a:defRPr>
-            </a:lvl1pPr>
-            <a:lvl2pPr marL="457200" indent="0">
-              <a:buNone/>
-              <a:defRPr sz="2800"/>
-            </a:lvl2pPr>
-            <a:lvl3pPr marL="914400" indent="0">
-              <a:buNone/>
-              <a:defRPr sz="2400"/>
-            </a:lvl3pPr>
-            <a:lvl4pPr marL="1371600" indent="0">
-              <a:buNone/>
-              <a:defRPr sz="2000"/>
-            </a:lvl4pPr>
-            <a:lvl5pPr marL="1828800" indent="0">
-              <a:buNone/>
-              <a:defRPr sz="2000"/>
-            </a:lvl5pPr>
-            <a:lvl6pPr marL="2286000" indent="0">
-              <a:buNone/>
-              <a:defRPr sz="2000"/>
-            </a:lvl6pPr>
-            <a:lvl7pPr marL="2743200" indent="0">
-              <a:buNone/>
-              <a:defRPr sz="2000"/>
-            </a:lvl7pPr>
-            <a:lvl8pPr marL="3200400" indent="0">
-              <a:buNone/>
-              <a:defRPr sz="2000"/>
-            </a:lvl8pPr>
-            <a:lvl9pPr marL="3657600" indent="0">
-              <a:buNone/>
-              <a:defRPr sz="2000"/>
-            </a:lvl9pPr>
-          </a:lstStyle>
-          <a:p>
-            <a:r>
-              <a:rPr lang="en-US" altLang="ko-KR" dirty="0"/>
-              <a:t>Your Picture Here</a:t>
-            </a:r>
-            <a:endParaRPr lang="ko-KR" altLang="en-US" dirty="0"/>
-          </a:p>
-        </p:txBody>
-      </p:sp>
-      <p:sp>
-        <p:nvSpPr>
-          <p:cNvPr id="8" name="Picture Placeholder 2"/>
-          <p:cNvSpPr>
-            <a:spLocks noGrp="1"/>
-          </p:cNvSpPr>
-          <p:nvPr>
-            <p:ph type="pic" idx="13" hasCustomPrompt="1"/>
-          </p:nvPr>
-        </p:nvSpPr>
-        <p:spPr>
-          <a:xfrm>
-            <a:off x="249617" y="1635289"/>
-            <a:ext cx="1619609" cy="2501798"/>
-          </a:xfrm>
-          <a:prstGeom prst="rect">
-            <a:avLst/>
-          </a:prstGeom>
-          <a:solidFill>
-            <a:schemeClr val="bg1">
-              <a:lumMod val="95000"/>
-            </a:schemeClr>
-          </a:solidFill>
-        </p:spPr>
-        <p:txBody>
-          <a:bodyPr anchor="ctr"/>
-          <a:lstStyle>
-            <a:lvl1pPr marL="0" indent="0" algn="ctr">
-              <a:buNone/>
-              <a:defRPr sz="1200" baseline="0">
-                <a:solidFill>
-                  <a:schemeClr val="tx1">
-                    <a:lumMod val="75000"/>
-                    <a:lumOff val="25000"/>
-                  </a:schemeClr>
-                </a:solidFill>
-                <a:latin typeface="+mn-lt"/>
-                <a:cs typeface="Arial" pitchFamily="34" charset="0"/>
-              </a:defRPr>
-            </a:lvl1pPr>
-            <a:lvl2pPr marL="457200" indent="0">
-              <a:buNone/>
-              <a:defRPr sz="2800"/>
-            </a:lvl2pPr>
-            <a:lvl3pPr marL="914400" indent="0">
-              <a:buNone/>
-              <a:defRPr sz="2400"/>
-            </a:lvl3pPr>
-            <a:lvl4pPr marL="1371600" indent="0">
-              <a:buNone/>
-              <a:defRPr sz="2000"/>
-            </a:lvl4pPr>
-            <a:lvl5pPr marL="1828800" indent="0">
-              <a:buNone/>
-              <a:defRPr sz="2000"/>
-            </a:lvl5pPr>
-            <a:lvl6pPr marL="2286000" indent="0">
-              <a:buNone/>
-              <a:defRPr sz="2000"/>
-            </a:lvl6pPr>
-            <a:lvl7pPr marL="2743200" indent="0">
-              <a:buNone/>
-              <a:defRPr sz="2000"/>
-            </a:lvl7pPr>
-            <a:lvl8pPr marL="3200400" indent="0">
-              <a:buNone/>
-              <a:defRPr sz="2000"/>
-            </a:lvl8pPr>
-            <a:lvl9pPr marL="3657600" indent="0">
-              <a:buNone/>
-              <a:defRPr sz="2000"/>
-            </a:lvl9pPr>
-          </a:lstStyle>
-          <a:p>
-            <a:r>
-              <a:rPr lang="en-US" altLang="ko-KR" dirty="0"/>
-              <a:t>Your Picture Here</a:t>
-            </a:r>
-            <a:endParaRPr lang="ko-KR" altLang="en-US" dirty="0"/>
-          </a:p>
-        </p:txBody>
-      </p:sp>
-      <p:sp>
-        <p:nvSpPr>
-          <p:cNvPr id="9" name="Picture Placeholder 2"/>
-          <p:cNvSpPr>
-            <a:spLocks noGrp="1"/>
-          </p:cNvSpPr>
-          <p:nvPr>
-            <p:ph type="pic" idx="14" hasCustomPrompt="1"/>
-          </p:nvPr>
-        </p:nvSpPr>
-        <p:spPr>
-          <a:xfrm>
-            <a:off x="5564872" y="1635289"/>
-            <a:ext cx="1619609" cy="2501798"/>
-          </a:xfrm>
-          <a:prstGeom prst="rect">
-            <a:avLst/>
-          </a:prstGeom>
-          <a:solidFill>
-            <a:schemeClr val="bg1">
-              <a:lumMod val="95000"/>
-            </a:schemeClr>
-          </a:solidFill>
-        </p:spPr>
-        <p:txBody>
-          <a:bodyPr anchor="ctr"/>
-          <a:lstStyle>
-            <a:lvl1pPr marL="0" indent="0" algn="ctr">
-              <a:buNone/>
-              <a:defRPr sz="1200" baseline="0">
-                <a:solidFill>
-                  <a:schemeClr val="tx1">
-                    <a:lumMod val="75000"/>
-                    <a:lumOff val="25000"/>
-                  </a:schemeClr>
-                </a:solidFill>
-                <a:latin typeface="+mn-lt"/>
-                <a:cs typeface="Arial" pitchFamily="34" charset="0"/>
-              </a:defRPr>
-            </a:lvl1pPr>
-            <a:lvl2pPr marL="457200" indent="0">
-              <a:buNone/>
-              <a:defRPr sz="2800"/>
-            </a:lvl2pPr>
-            <a:lvl3pPr marL="914400" indent="0">
-              <a:buNone/>
-              <a:defRPr sz="2400"/>
-            </a:lvl3pPr>
-            <a:lvl4pPr marL="1371600" indent="0">
-              <a:buNone/>
-              <a:defRPr sz="2000"/>
-            </a:lvl4pPr>
-            <a:lvl5pPr marL="1828800" indent="0">
-              <a:buNone/>
-              <a:defRPr sz="2000"/>
-            </a:lvl5pPr>
-            <a:lvl6pPr marL="2286000" indent="0">
-              <a:buNone/>
-              <a:defRPr sz="2000"/>
-            </a:lvl6pPr>
-            <a:lvl7pPr marL="2743200" indent="0">
-              <a:buNone/>
-              <a:defRPr sz="2000"/>
-            </a:lvl7pPr>
-            <a:lvl8pPr marL="3200400" indent="0">
-              <a:buNone/>
-              <a:defRPr sz="2000"/>
-            </a:lvl8pPr>
-            <a:lvl9pPr marL="3657600" indent="0">
-              <a:buNone/>
-              <a:defRPr sz="2000"/>
-            </a:lvl9pPr>
-          </a:lstStyle>
-          <a:p>
-            <a:r>
-              <a:rPr lang="en-US" altLang="ko-KR" dirty="0"/>
-              <a:t>Your Picture Here</a:t>
-            </a:r>
-            <a:endParaRPr lang="ko-KR" altLang="en-US" dirty="0"/>
-          </a:p>
-        </p:txBody>
-      </p:sp>
-      <p:sp>
-        <p:nvSpPr>
-          <p:cNvPr id="12" name="Picture Placeholder 2"/>
-          <p:cNvSpPr>
-            <a:spLocks noGrp="1"/>
-          </p:cNvSpPr>
-          <p:nvPr>
-            <p:ph type="pic" idx="15" hasCustomPrompt="1"/>
-          </p:nvPr>
-        </p:nvSpPr>
-        <p:spPr>
-          <a:xfrm>
-            <a:off x="7288872" y="1635289"/>
-            <a:ext cx="1619609" cy="2501798"/>
-          </a:xfrm>
-          <a:prstGeom prst="rect">
-            <a:avLst/>
-          </a:prstGeom>
-          <a:solidFill>
-            <a:schemeClr val="bg1">
-              <a:lumMod val="95000"/>
-            </a:schemeClr>
-          </a:solidFill>
-        </p:spPr>
-        <p:txBody>
-          <a:bodyPr anchor="ctr"/>
-          <a:lstStyle>
-            <a:lvl1pPr marL="0" indent="0" algn="ctr">
-              <a:buNone/>
-              <a:defRPr sz="1200" baseline="0">
-                <a:solidFill>
-                  <a:schemeClr val="tx1">
-                    <a:lumMod val="75000"/>
-                    <a:lumOff val="25000"/>
-                  </a:schemeClr>
-                </a:solidFill>
-                <a:latin typeface="+mn-lt"/>
-                <a:cs typeface="Arial" pitchFamily="34" charset="0"/>
-              </a:defRPr>
-            </a:lvl1pPr>
-            <a:lvl2pPr marL="457200" indent="0">
-              <a:buNone/>
-              <a:defRPr sz="2800"/>
-            </a:lvl2pPr>
-            <a:lvl3pPr marL="914400" indent="0">
-              <a:buNone/>
-              <a:defRPr sz="2400"/>
-            </a:lvl3pPr>
-            <a:lvl4pPr marL="1371600" indent="0">
-              <a:buNone/>
-              <a:defRPr sz="2000"/>
-            </a:lvl4pPr>
-            <a:lvl5pPr marL="1828800" indent="0">
-              <a:buNone/>
-              <a:defRPr sz="2000"/>
-            </a:lvl5pPr>
-            <a:lvl6pPr marL="2286000" indent="0">
-              <a:buNone/>
-              <a:defRPr sz="2000"/>
-            </a:lvl6pPr>
-            <a:lvl7pPr marL="2743200" indent="0">
-              <a:buNone/>
-              <a:defRPr sz="2000"/>
-            </a:lvl7pPr>
-            <a:lvl8pPr marL="3200400" indent="0">
-              <a:buNone/>
-              <a:defRPr sz="2000"/>
-            </a:lvl8pPr>
-            <a:lvl9pPr marL="3657600" indent="0">
-              <a:buNone/>
-              <a:defRPr sz="2000"/>
-            </a:lvl9pPr>
-          </a:lstStyle>
-          <a:p>
-            <a:r>
-              <a:rPr lang="en-US" altLang="ko-KR" dirty="0"/>
-              <a:t>Your Picture Here</a:t>
-            </a:r>
-            <a:endParaRPr lang="ko-KR" altLang="en-US" dirty="0"/>
-          </a:p>
-        </p:txBody>
-      </p:sp>
-      <p:sp>
-        <p:nvSpPr>
-          <p:cNvPr id="13" name="Text Placeholder 9">
-            <a:extLst>
-              <a:ext uri="{FF2B5EF4-FFF2-40B4-BE49-F238E27FC236}">
-                <a16:creationId xmlns:a16="http://schemas.microsoft.com/office/drawing/2014/main" id="{A7341551-4697-41C7-A352-EF717005841A}"/>
-              </a:ext>
-            </a:extLst>
-          </p:cNvPr>
-          <p:cNvSpPr>
-            <a:spLocks noGrp="1"/>
-          </p:cNvSpPr>
-          <p:nvPr>
-            <p:ph type="body" sz="quarter" idx="10" hasCustomPrompt="1"/>
-          </p:nvPr>
-        </p:nvSpPr>
-        <p:spPr>
-          <a:xfrm>
-            <a:off x="323528" y="123478"/>
-            <a:ext cx="7344816" cy="576064"/>
-          </a:xfrm>
-          <a:prstGeom prst="rect">
-            <a:avLst/>
-          </a:prstGeom>
-        </p:spPr>
-        <p:txBody>
-          <a:bodyPr anchor="ctr"/>
-          <a:lstStyle>
-            <a:lvl1pPr marL="0" indent="0" algn="l">
-              <a:buNone/>
-              <a:defRPr sz="3600" b="0" baseline="0">
-                <a:solidFill>
-                  <a:schemeClr val="tx1">
-                    <a:lumMod val="75000"/>
-                    <a:lumOff val="25000"/>
-                  </a:schemeClr>
-                </a:solidFill>
-                <a:latin typeface="+mj-lt"/>
-                <a:cs typeface="Arial" pitchFamily="34" charset="0"/>
-              </a:defRPr>
-            </a:lvl1pPr>
-          </a:lstStyle>
-          <a:p>
-            <a:pPr lvl="0"/>
-            <a:r>
-              <a:rPr lang="en-US" altLang="ko-KR" dirty="0"/>
-              <a:t>BASIC LAYOUT</a:t>
-            </a:r>
-          </a:p>
-        </p:txBody>
-      </p:sp>
-      <p:pic>
-        <p:nvPicPr>
-          <p:cNvPr id="14" name="Picture 2" descr="E:\002-KIMS BUSINESS\007-02-Fullslidesppt-Contents\20161216\Stethoscope as symbol of medicine PowerPoint Templates\main-item-01.png">
-            <a:extLst>
-              <a:ext uri="{FF2B5EF4-FFF2-40B4-BE49-F238E27FC236}">
-                <a16:creationId xmlns:a16="http://schemas.microsoft.com/office/drawing/2014/main" id="{704696FB-5704-44BE-A7C4-3766EFA77A69}"/>
-              </a:ext>
-            </a:extLst>
-          </p:cNvPr>
-          <p:cNvPicPr>
-            <a:picLocks noChangeAspect="1" noChangeArrowheads="1"/>
-          </p:cNvPicPr>
-          <p:nvPr userDrawn="1"/>
-        </p:nvPicPr>
-        <p:blipFill>
-          <a:blip r:embed="rId3" cstate="print">
-            <a:extLst>
-              <a:ext uri="{28A0092B-C50C-407E-A947-70E740481C1C}">
-                <a14:useLocalDpi xmlns:a14="http://schemas.microsoft.com/office/drawing/2010/main" val="0"/>
-              </a:ext>
-            </a:extLst>
-          </a:blip>
-          <a:srcRect/>
-          <a:stretch>
-            <a:fillRect/>
-          </a:stretch>
-        </p:blipFill>
-        <p:spPr bwMode="auto">
-          <a:xfrm>
-            <a:off x="8025373" y="123478"/>
-            <a:ext cx="983526" cy="729962"/>
-          </a:xfrm>
-          <a:prstGeom prst="rect">
-            <a:avLst/>
-          </a:prstGeom>
-          <a:noFill/>
-          <a:extLst>
-            <a:ext uri="{909E8E84-426E-40DD-AFC4-6F175D3DCCD1}">
-              <a14:hiddenFill xmlns:a14="http://schemas.microsoft.com/office/drawing/2010/main">
-                <a:solidFill>
-                  <a:srgbClr val="FFFFFF"/>
-                </a:solidFill>
-              </a14:hiddenFill>
-            </a:ext>
-          </a:extLst>
-        </p:spPr>
-      </p:pic>
-      <p:cxnSp>
-        <p:nvCxnSpPr>
-          <p:cNvPr id="15" name="Straight Connector 4">
-            <a:extLst>
-              <a:ext uri="{FF2B5EF4-FFF2-40B4-BE49-F238E27FC236}">
-                <a16:creationId xmlns:a16="http://schemas.microsoft.com/office/drawing/2014/main" id="{112562F3-7C1E-4A0C-96A9-C0EE72521397}"/>
-              </a:ext>
-            </a:extLst>
-          </p:cNvPr>
-          <p:cNvCxnSpPr/>
-          <p:nvPr userDrawn="1"/>
-        </p:nvCxnSpPr>
-        <p:spPr>
-          <a:xfrm>
-            <a:off x="-6032" y="817270"/>
-            <a:ext cx="7674376" cy="0"/>
-          </a:xfrm>
-          <a:prstGeom prst="line">
-            <a:avLst/>
-          </a:prstGeom>
-          <a:ln w="19050">
-            <a:solidFill>
-              <a:schemeClr val="tx1">
-                <a:lumMod val="75000"/>
-                <a:lumOff val="25000"/>
-              </a:schemeClr>
-            </a:solidFill>
-          </a:ln>
-        </p:spPr>
-        <p:style>
-          <a:lnRef idx="1">
-            <a:schemeClr val="accent1"/>
-          </a:lnRef>
-          <a:fillRef idx="0">
-            <a:schemeClr val="accent1"/>
-          </a:fillRef>
-          <a:effectRef idx="0">
-            <a:schemeClr val="accent1"/>
-          </a:effectRef>
-          <a:fontRef idx="minor">
-            <a:schemeClr val="tx1"/>
-          </a:fontRef>
-        </p:style>
-      </p:cxnSp>
-    </p:spTree>
-    <p:extLst>
-      <p:ext uri="{BB962C8B-B14F-4D97-AF65-F5344CB8AC3E}">
-        <p14:creationId xmlns:p14="http://schemas.microsoft.com/office/powerpoint/2010/main" val="3413707586"/>
-      </p:ext>
-    </p:extLst>
-  </p:cSld>
-  <p:clrMapOvr>
-    <a:masterClrMapping/>
-  </p:clrMapOvr>
-</p:sldLayout>
-</file>
-
-<file path=ppt/slideLayouts/slideLayout41.xml><?xml version="1.0" encoding="utf-8"?>
 <p:sldLayout xmlns:a="http://schemas.openxmlformats.org/drawingml/2006/main" xmlns:r="http://schemas.openxmlformats.org/officeDocument/2006/relationships" xmlns:p="http://schemas.openxmlformats.org/presentationml/2006/main" userDrawn="1">
   <p:cSld name="3_Images and Contents Layout">
     <p:spTree>
@@ -12885,7 +12259,7 @@
           <p:nvPr/>
         </p:nvPicPr>
         <p:blipFill>
-          <a:blip r:embed="rId24">
+          <a:blip r:embed="rId23">
             <a:alphaModFix/>
             <a:extLst>
               <a:ext uri="{28A0092B-C50C-407E-A947-70E740481C1C}">
@@ -13157,8 +12531,7 @@
     <p:sldLayoutId id="2147483699" r:id="rId18"/>
     <p:sldLayoutId id="2147483702" r:id="rId19"/>
     <p:sldLayoutId id="2147483706" r:id="rId20"/>
-    <p:sldLayoutId id="2147483707" r:id="rId21"/>
-    <p:sldLayoutId id="2147483710" r:id="rId22"/>
+    <p:sldLayoutId id="2147483710" r:id="rId21"/>
   </p:sldLayoutIdLst>
   <p:txStyles>
     <p:titleStyle>
@@ -13989,249 +13362,6 @@
     <p:extLst>
       <p:ext uri="{BB962C8B-B14F-4D97-AF65-F5344CB8AC3E}">
         <p14:creationId xmlns:p14="http://schemas.microsoft.com/office/powerpoint/2010/main" val="4191624973"/>
-      </p:ext>
-    </p:extLst>
-  </p:cSld>
-  <p:clrMapOvr>
-    <a:masterClrMapping/>
-  </p:clrMapOvr>
-</p:sld>
-</file>
-
-<file path=ppt/slides/slide10.xml><?xml version="1.0" encoding="utf-8"?>
-<p:sld xmlns:a="http://schemas.openxmlformats.org/drawingml/2006/main" xmlns:r="http://schemas.openxmlformats.org/officeDocument/2006/relationships" xmlns:p="http://schemas.openxmlformats.org/presentationml/2006/main">
-  <p:cSld>
-    <p:bg>
-      <p:bgPr>
-        <a:gradFill>
-          <a:gsLst>
-            <a:gs pos="100000">
-              <a:srgbClr val="3391A7"/>
-            </a:gs>
-            <a:gs pos="60000">
-              <a:schemeClr val="accent1">
-                <a:lumMod val="40000"/>
-                <a:lumOff val="60000"/>
-              </a:schemeClr>
-            </a:gs>
-            <a:gs pos="39000">
-              <a:schemeClr val="bg2">
-                <a:lumMod val="60000"/>
-                <a:lumOff val="40000"/>
-              </a:schemeClr>
-            </a:gs>
-            <a:gs pos="21000">
-              <a:schemeClr val="bg2">
-                <a:lumMod val="40000"/>
-                <a:lumOff val="60000"/>
-              </a:schemeClr>
-            </a:gs>
-            <a:gs pos="0">
-              <a:schemeClr val="bg1"/>
-            </a:gs>
-            <a:gs pos="96000">
-              <a:srgbClr val="3CA8C2"/>
-            </a:gs>
-            <a:gs pos="79000">
-              <a:srgbClr val="5FBACE"/>
-            </a:gs>
-          </a:gsLst>
-          <a:lin ang="5400000" scaled="1"/>
-        </a:gradFill>
-        <a:effectLst/>
-      </p:bgPr>
-    </p:bg>
-    <p:spTree>
-      <p:nvGrpSpPr>
-        <p:cNvPr id="1" name=""/>
-        <p:cNvGrpSpPr/>
-        <p:nvPr/>
-      </p:nvGrpSpPr>
-      <p:grpSpPr>
-        <a:xfrm>
-          <a:off x="0" y="0"/>
-          <a:ext cx="0" cy="0"/>
-          <a:chOff x="0" y="0"/>
-          <a:chExt cx="0" cy="0"/>
-        </a:xfrm>
-      </p:grpSpPr>
-      <p:sp>
-        <p:nvSpPr>
-          <p:cNvPr id="5" name="CaixaDeTexto 4">
-            <a:extLst>
-              <a:ext uri="{FF2B5EF4-FFF2-40B4-BE49-F238E27FC236}">
-                <a16:creationId xmlns:a16="http://schemas.microsoft.com/office/drawing/2014/main" id="{92843FCA-4E20-4D68-9DD3-E48EA5D726C0}"/>
-              </a:ext>
-            </a:extLst>
-          </p:cNvPr>
-          <p:cNvSpPr txBox="1"/>
-          <p:nvPr/>
-        </p:nvSpPr>
-        <p:spPr>
-          <a:xfrm>
-            <a:off x="6928607" y="10152752"/>
-            <a:ext cx="269576" cy="1754326"/>
-          </a:xfrm>
-          <a:prstGeom prst="rect">
-            <a:avLst/>
-          </a:prstGeom>
-          <a:noFill/>
-        </p:spPr>
-        <p:txBody>
-          <a:bodyPr wrap="square" rtlCol="0">
-            <a:spAutoFit/>
-          </a:bodyPr>
-          <a:lstStyle/>
-          <a:p>
-            <a:r>
-              <a:rPr lang="pt-PT" sz="1200" dirty="0">
-                <a:latin typeface="Tw Cen MT" panose="020B0602020104020603" pitchFamily="34" charset="0"/>
-              </a:rPr>
-              <a:t>IEFP Évora</a:t>
-            </a:r>
-            <a:endParaRPr lang="pt-PT" sz="1400" b="1" dirty="0">
-              <a:latin typeface="Tw Cen MT" panose="020B0602020104020603" pitchFamily="34" charset="0"/>
-              <a:cs typeface="IrisUPC" panose="020B0604020202020204" pitchFamily="34" charset="-34"/>
-            </a:endParaRPr>
-          </a:p>
-        </p:txBody>
-      </p:sp>
-      <p:sp>
-        <p:nvSpPr>
-          <p:cNvPr id="6" name="CaixaDeTexto 5"/>
-          <p:cNvSpPr txBox="1"/>
-          <p:nvPr/>
-        </p:nvSpPr>
-        <p:spPr>
-          <a:xfrm>
-            <a:off x="1169954" y="1357774"/>
-            <a:ext cx="5706302" cy="1862048"/>
-          </a:xfrm>
-          <a:prstGeom prst="rect">
-            <a:avLst/>
-          </a:prstGeom>
-          <a:noFill/>
-        </p:spPr>
-        <p:txBody>
-          <a:bodyPr wrap="square" rtlCol="0">
-            <a:spAutoFit/>
-          </a:bodyPr>
-          <a:lstStyle/>
-          <a:p>
-            <a:r>
-              <a:rPr lang="pt-PT" sz="11500" dirty="0">
-                <a:solidFill>
-                  <a:srgbClr val="5FBACE"/>
-                </a:solidFill>
-                <a:effectLst/>
-                <a:latin typeface="Caviar Dreams" panose="020B0402020204020504" pitchFamily="34" charset="0"/>
-              </a:rPr>
-              <a:t>med</a:t>
-            </a:r>
-            <a:r>
-              <a:rPr lang="pt-PT" sz="11500" dirty="0">
-                <a:solidFill>
-                  <a:srgbClr val="15292E"/>
-                </a:solidFill>
-                <a:effectLst/>
-                <a:latin typeface="Caviar Dreams" panose="020B0402020204020504" pitchFamily="34" charset="0"/>
-              </a:rPr>
-              <a:t>na</a:t>
-            </a:r>
-            <a:endParaRPr lang="en-GB" sz="11500" dirty="0">
-              <a:solidFill>
-                <a:srgbClr val="15292E"/>
-              </a:solidFill>
-              <a:effectLst/>
-              <a:latin typeface="Caviar Dreams" panose="020B0402020204020504" pitchFamily="34" charset="0"/>
-            </a:endParaRPr>
-          </a:p>
-        </p:txBody>
-      </p:sp>
-      <p:sp>
-        <p:nvSpPr>
-          <p:cNvPr id="11" name="CaixaDeTexto 10"/>
-          <p:cNvSpPr txBox="1"/>
-          <p:nvPr/>
-        </p:nvSpPr>
-        <p:spPr>
-          <a:xfrm>
-            <a:off x="6843187" y="1357774"/>
-            <a:ext cx="2697365" cy="1862048"/>
-          </a:xfrm>
-          <a:prstGeom prst="rect">
-            <a:avLst/>
-          </a:prstGeom>
-          <a:noFill/>
-        </p:spPr>
-        <p:txBody>
-          <a:bodyPr wrap="square" rtlCol="0">
-            <a:spAutoFit/>
-          </a:bodyPr>
-          <a:lstStyle/>
-          <a:p>
-            <a:r>
-              <a:rPr lang="pt-PT" sz="11500" dirty="0">
-                <a:solidFill>
-                  <a:srgbClr val="15292E"/>
-                </a:solidFill>
-                <a:effectLst/>
-                <a:latin typeface="Caviar Dreams" panose="020B0402020204020504" pitchFamily="34" charset="0"/>
-              </a:rPr>
-              <a:t>er</a:t>
-            </a:r>
-            <a:endParaRPr lang="en-GB" sz="11500" dirty="0">
-              <a:solidFill>
-                <a:srgbClr val="15292E"/>
-              </a:solidFill>
-              <a:effectLst/>
-              <a:latin typeface="Caviar Dreams" panose="020B0402020204020504" pitchFamily="34" charset="0"/>
-            </a:endParaRPr>
-          </a:p>
-        </p:txBody>
-      </p:sp>
-      <p:pic>
-        <p:nvPicPr>
-          <p:cNvPr id="12" name="Imagem 11"/>
-          <p:cNvPicPr>
-            <a:picLocks noChangeAspect="1"/>
-          </p:cNvPicPr>
-          <p:nvPr/>
-        </p:nvPicPr>
-        <p:blipFill rotWithShape="1">
-          <a:blip r:embed="rId2" cstate="print">
-            <a:extLst>
-              <a:ext uri="{BEBA8EAE-BF5A-486C-A8C5-ECC9F3942E4B}">
-                <a14:imgProps xmlns:a14="http://schemas.microsoft.com/office/drawing/2010/main">
-                  <a14:imgLayer r:embed="rId3">
-                    <a14:imgEffect>
-                      <a14:backgroundRemoval t="13720" b="89879" l="13269" r="56419"/>
-                    </a14:imgEffect>
-                  </a14:imgLayer>
-                </a14:imgProps>
-              </a:ext>
-              <a:ext uri="{28A0092B-C50C-407E-A947-70E740481C1C}">
-                <a14:useLocalDpi xmlns:a14="http://schemas.microsoft.com/office/drawing/2010/main" val="0"/>
-              </a:ext>
-            </a:extLst>
-          </a:blip>
-          <a:srcRect l="7875" t="4200" r="38187" b="601"/>
-          <a:stretch/>
-        </p:blipFill>
-        <p:spPr>
-          <a:xfrm rot="20097300">
-            <a:off x="4924471" y="1736329"/>
-            <a:ext cx="2792405" cy="2772308"/>
-          </a:xfrm>
-          <a:prstGeom prst="ellipse">
-            <a:avLst/>
-          </a:prstGeom>
-        </p:spPr>
-      </p:pic>
-    </p:spTree>
-    <p:extLst>
-      <p:ext uri="{BB962C8B-B14F-4D97-AF65-F5344CB8AC3E}">
-        <p14:creationId xmlns:p14="http://schemas.microsoft.com/office/powerpoint/2010/main" val="1359874116"/>
       </p:ext>
     </p:extLst>
   </p:cSld>
@@ -20109,8 +19239,8 @@
         </p:nvSpPr>
         <p:spPr>
           <a:xfrm>
-            <a:off x="3851920" y="3106765"/>
-            <a:ext cx="4752528" cy="307777"/>
+            <a:off x="3995936" y="3357649"/>
+            <a:ext cx="3672408" cy="1200329"/>
           </a:xfrm>
           <a:prstGeom prst="rect">
             <a:avLst/>
@@ -20125,7 +19255,7 @@
           <a:p>
             <a:pPr algn="ctr"/>
             <a:r>
-              <a:rPr lang="en-US" altLang="ko-KR" sz="1400" b="1" dirty="0" err="1">
+              <a:rPr lang="pt-PT" altLang="ko-KR" sz="2400" b="1" dirty="0">
                 <a:solidFill>
                   <a:schemeClr val="tx1">
                     <a:lumMod val="75000"/>
@@ -20134,33 +19264,9 @@
                 </a:solidFill>
                 <a:cs typeface="Arial" pitchFamily="34" charset="0"/>
               </a:rPr>
-              <a:t>Número</a:t>
+              <a:t>Queremos melhorar o quotidiano profissional de quem cuida de nós!</a:t>
             </a:r>
-            <a:r>
-              <a:rPr lang="en-US" altLang="ko-KR" sz="1400" b="1" dirty="0">
-                <a:solidFill>
-                  <a:schemeClr val="tx1">
-                    <a:lumMod val="75000"/>
-                    <a:lumOff val="25000"/>
-                  </a:schemeClr>
-                </a:solidFill>
-                <a:cs typeface="Arial" pitchFamily="34" charset="0"/>
-              </a:rPr>
-              <a:t> de </a:t>
-            </a:r>
-            <a:r>
-              <a:rPr lang="en-US" altLang="ko-KR" sz="1400" b="1" dirty="0" err="1">
-                <a:solidFill>
-                  <a:schemeClr val="tx1">
-                    <a:lumMod val="75000"/>
-                    <a:lumOff val="25000"/>
-                  </a:schemeClr>
-                </a:solidFill>
-                <a:cs typeface="Arial" pitchFamily="34" charset="0"/>
-              </a:rPr>
-              <a:t>médicos</a:t>
-            </a:r>
-            <a:endParaRPr lang="ko-KR" altLang="en-US" sz="1400" b="1" dirty="0">
+            <a:endParaRPr lang="ko-KR" altLang="en-US" sz="2400" b="1" dirty="0">
               <a:solidFill>
                 <a:schemeClr val="tx1">
                   <a:lumMod val="75000"/>
@@ -26005,2364 +25111,6 @@
 </file>
 
 <file path=ppt/slides/slide7.xml><?xml version="1.0" encoding="utf-8"?>
-<p:sld xmlns:a="http://schemas.openxmlformats.org/drawingml/2006/main" xmlns:r="http://schemas.openxmlformats.org/officeDocument/2006/relationships" xmlns:p="http://schemas.openxmlformats.org/presentationml/2006/main">
-  <p:cSld>
-    <p:spTree>
-      <p:nvGrpSpPr>
-        <p:cNvPr id="1" name=""/>
-        <p:cNvGrpSpPr/>
-        <p:nvPr/>
-      </p:nvGrpSpPr>
-      <p:grpSpPr>
-        <a:xfrm>
-          <a:off x="0" y="0"/>
-          <a:ext cx="0" cy="0"/>
-          <a:chOff x="0" y="0"/>
-          <a:chExt cx="0" cy="0"/>
-        </a:xfrm>
-      </p:grpSpPr>
-      <p:sp>
-        <p:nvSpPr>
-          <p:cNvPr id="6" name="그림 개체 틀 5">
-            <a:extLst>
-              <a:ext uri="{FF2B5EF4-FFF2-40B4-BE49-F238E27FC236}">
-                <a16:creationId xmlns:a16="http://schemas.microsoft.com/office/drawing/2014/main" id="{F13877CE-8274-4953-85E6-52F53F0C7D41}"/>
-              </a:ext>
-            </a:extLst>
-          </p:cNvPr>
-          <p:cNvSpPr>
-            <a:spLocks noGrp="1"/>
-          </p:cNvSpPr>
-          <p:nvPr>
-            <p:ph type="pic" idx="12"/>
-          </p:nvPr>
-        </p:nvSpPr>
-        <p:spPr/>
-      </p:sp>
-      <p:sp>
-        <p:nvSpPr>
-          <p:cNvPr id="4" name="그림 개체 틀 3">
-            <a:extLst>
-              <a:ext uri="{FF2B5EF4-FFF2-40B4-BE49-F238E27FC236}">
-                <a16:creationId xmlns:a16="http://schemas.microsoft.com/office/drawing/2014/main" id="{42FF1BF9-0FC5-492E-BCE4-6127E8385934}"/>
-              </a:ext>
-            </a:extLst>
-          </p:cNvPr>
-          <p:cNvSpPr>
-            <a:spLocks noGrp="1"/>
-          </p:cNvSpPr>
-          <p:nvPr>
-            <p:ph type="pic" idx="13"/>
-          </p:nvPr>
-        </p:nvSpPr>
-        <p:spPr/>
-      </p:sp>
-      <p:sp>
-        <p:nvSpPr>
-          <p:cNvPr id="10" name="그림 개체 틀 9">
-            <a:extLst>
-              <a:ext uri="{FF2B5EF4-FFF2-40B4-BE49-F238E27FC236}">
-                <a16:creationId xmlns:a16="http://schemas.microsoft.com/office/drawing/2014/main" id="{0484087C-EF41-46E7-98D4-FA86EA7C7BC8}"/>
-              </a:ext>
-            </a:extLst>
-          </p:cNvPr>
-          <p:cNvSpPr>
-            <a:spLocks noGrp="1"/>
-          </p:cNvSpPr>
-          <p:nvPr>
-            <p:ph type="pic" idx="14"/>
-          </p:nvPr>
-        </p:nvSpPr>
-        <p:spPr/>
-      </p:sp>
-      <p:sp>
-        <p:nvSpPr>
-          <p:cNvPr id="12" name="그림 개체 틀 11">
-            <a:extLst>
-              <a:ext uri="{FF2B5EF4-FFF2-40B4-BE49-F238E27FC236}">
-                <a16:creationId xmlns:a16="http://schemas.microsoft.com/office/drawing/2014/main" id="{DD6B26A1-BBA6-4CCE-9BA1-07F4A10A0E20}"/>
-              </a:ext>
-            </a:extLst>
-          </p:cNvPr>
-          <p:cNvSpPr>
-            <a:spLocks noGrp="1"/>
-          </p:cNvSpPr>
-          <p:nvPr>
-            <p:ph type="pic" idx="15"/>
-          </p:nvPr>
-        </p:nvSpPr>
-        <p:spPr/>
-      </p:sp>
-      <p:sp>
-        <p:nvSpPr>
-          <p:cNvPr id="7" name="CaixaDeTexto 6"/>
-          <p:cNvSpPr txBox="1"/>
-          <p:nvPr/>
-        </p:nvSpPr>
-        <p:spPr>
-          <a:xfrm>
-            <a:off x="3764672" y="1599641"/>
-            <a:ext cx="1620000" cy="2537445"/>
-          </a:xfrm>
-          <a:prstGeom prst="rect">
-            <a:avLst/>
-          </a:prstGeom>
-          <a:solidFill>
-            <a:schemeClr val="bg1"/>
-          </a:solidFill>
-        </p:spPr>
-        <p:style>
-          <a:lnRef idx="2">
-            <a:schemeClr val="dk1">
-              <a:shade val="50000"/>
-            </a:schemeClr>
-          </a:lnRef>
-          <a:fillRef idx="1">
-            <a:schemeClr val="dk1"/>
-          </a:fillRef>
-          <a:effectRef idx="0">
-            <a:schemeClr val="dk1"/>
-          </a:effectRef>
-          <a:fontRef idx="minor">
-            <a:schemeClr val="lt1"/>
-          </a:fontRef>
-        </p:style>
-        <p:txBody>
-          <a:bodyPr wrap="square" rtlCol="0">
-            <a:spAutoFit/>
-          </a:bodyPr>
-          <a:lstStyle/>
-          <a:p>
-            <a:endParaRPr lang="en-GB" dirty="0"/>
-          </a:p>
-        </p:txBody>
-      </p:sp>
-      <p:pic>
-        <p:nvPicPr>
-          <p:cNvPr id="1026" name="Picture 2" descr="Resultado de imagem para admin icon png"/>
-          <p:cNvPicPr>
-            <a:picLocks noChangeAspect="1" noChangeArrowheads="1"/>
-          </p:cNvPicPr>
-          <p:nvPr/>
-        </p:nvPicPr>
-        <p:blipFill>
-          <a:blip r:embed="rId2">
-            <a:extLst>
-              <a:ext uri="{28A0092B-C50C-407E-A947-70E740481C1C}">
-                <a14:useLocalDpi xmlns:a14="http://schemas.microsoft.com/office/drawing/2010/main" val="0"/>
-              </a:ext>
-            </a:extLst>
-          </a:blip>
-          <a:srcRect/>
-          <a:stretch>
-            <a:fillRect/>
-          </a:stretch>
-        </p:blipFill>
-        <p:spPr bwMode="auto">
-          <a:xfrm>
-            <a:off x="3347864" y="1783977"/>
-            <a:ext cx="2349858" cy="2349859"/>
-          </a:xfrm>
-          <a:prstGeom prst="rect">
-            <a:avLst/>
-          </a:prstGeom>
-          <a:noFill/>
-          <a:extLst>
-            <a:ext uri="{909E8E84-426E-40DD-AFC4-6F175D3DCCD1}">
-              <a14:hiddenFill xmlns:a14="http://schemas.microsoft.com/office/drawing/2010/main">
-                <a:solidFill>
-                  <a:srgbClr val="FFFFFF"/>
-                </a:solidFill>
-              </a14:hiddenFill>
-            </a:ext>
-          </a:extLst>
-        </p:spPr>
-      </p:pic>
-      <p:sp>
-        <p:nvSpPr>
-          <p:cNvPr id="13" name="Text Placeholder 1"/>
-          <p:cNvSpPr txBox="1">
-            <a:spLocks/>
-          </p:cNvSpPr>
-          <p:nvPr/>
-        </p:nvSpPr>
-        <p:spPr>
-          <a:xfrm>
-            <a:off x="219596" y="123478"/>
-            <a:ext cx="6912768" cy="576064"/>
-          </a:xfrm>
-          <a:prstGeom prst="rect">
-            <a:avLst/>
-          </a:prstGeom>
-        </p:spPr>
-        <p:txBody>
-          <a:bodyPr vert="horz" lIns="91440" tIns="45720" rIns="91440" bIns="45720" rtlCol="0" anchor="ctr">
-            <a:normAutofit fontScale="85000" lnSpcReduction="10000"/>
-          </a:bodyPr>
-          <a:lstStyle>
-            <a:lvl1pPr marL="0" indent="0" algn="l" defTabSz="685800" rtl="0" eaLnBrk="1" latinLnBrk="0" hangingPunct="1">
-              <a:lnSpc>
-                <a:spcPct val="120000"/>
-              </a:lnSpc>
-              <a:spcBef>
-                <a:spcPts val="750"/>
-              </a:spcBef>
-              <a:buClr>
-                <a:schemeClr val="tx1"/>
-              </a:buClr>
-              <a:buFont typeface="Arial" panose="020B0604020202020204" pitchFamily="34" charset="0"/>
-              <a:buNone/>
-              <a:defRPr sz="3600" b="0" kern="1200" cap="all" baseline="0">
-                <a:solidFill>
-                  <a:schemeClr val="tx1">
-                    <a:lumMod val="75000"/>
-                    <a:lumOff val="25000"/>
-                  </a:schemeClr>
-                </a:solidFill>
-                <a:effectLst/>
-                <a:latin typeface="+mj-lt"/>
-                <a:ea typeface="+mn-ea"/>
-                <a:cs typeface="Arial" pitchFamily="34" charset="0"/>
-              </a:defRPr>
-            </a:lvl1pPr>
-            <a:lvl2pPr marL="514350" indent="-171450" algn="l" defTabSz="685800" rtl="0" eaLnBrk="1" latinLnBrk="0" hangingPunct="1">
-              <a:lnSpc>
-                <a:spcPct val="120000"/>
-              </a:lnSpc>
-              <a:spcBef>
-                <a:spcPts val="375"/>
-              </a:spcBef>
-              <a:buClr>
-                <a:schemeClr val="tx1"/>
-              </a:buClr>
-              <a:buFont typeface="Arial" panose="020B0604020202020204" pitchFamily="34" charset="0"/>
-              <a:buChar char="•"/>
-              <a:defRPr sz="1350" kern="1200" cap="all" baseline="0">
-                <a:solidFill>
-                  <a:schemeClr val="tx1"/>
-                </a:solidFill>
-                <a:effectLst/>
-                <a:latin typeface="+mn-lt"/>
-                <a:ea typeface="+mn-ea"/>
-                <a:cs typeface="+mn-cs"/>
-              </a:defRPr>
-            </a:lvl2pPr>
-            <a:lvl3pPr marL="857250" indent="-171450" algn="l" defTabSz="685800" rtl="0" eaLnBrk="1" latinLnBrk="0" hangingPunct="1">
-              <a:lnSpc>
-                <a:spcPct val="120000"/>
-              </a:lnSpc>
-              <a:spcBef>
-                <a:spcPts val="375"/>
-              </a:spcBef>
-              <a:buClr>
-                <a:schemeClr val="tx1"/>
-              </a:buClr>
-              <a:buFont typeface="Arial" panose="020B0604020202020204" pitchFamily="34" charset="0"/>
-              <a:buChar char="•"/>
-              <a:defRPr sz="1200" kern="1200" cap="all" baseline="0">
-                <a:solidFill>
-                  <a:schemeClr val="tx1"/>
-                </a:solidFill>
-                <a:effectLst/>
-                <a:latin typeface="+mn-lt"/>
-                <a:ea typeface="+mn-ea"/>
-                <a:cs typeface="+mn-cs"/>
-              </a:defRPr>
-            </a:lvl3pPr>
-            <a:lvl4pPr marL="1200150" indent="-171450" algn="l" defTabSz="685800" rtl="0" eaLnBrk="1" latinLnBrk="0" hangingPunct="1">
-              <a:lnSpc>
-                <a:spcPct val="120000"/>
-              </a:lnSpc>
-              <a:spcBef>
-                <a:spcPts val="375"/>
-              </a:spcBef>
-              <a:buClr>
-                <a:schemeClr val="tx1"/>
-              </a:buClr>
-              <a:buFont typeface="Arial" panose="020B0604020202020204" pitchFamily="34" charset="0"/>
-              <a:buChar char="•"/>
-              <a:defRPr sz="1050" kern="1200" cap="all" baseline="0">
-                <a:solidFill>
-                  <a:schemeClr val="tx1"/>
-                </a:solidFill>
-                <a:effectLst/>
-                <a:latin typeface="+mn-lt"/>
-                <a:ea typeface="+mn-ea"/>
-                <a:cs typeface="+mn-cs"/>
-              </a:defRPr>
-            </a:lvl4pPr>
-            <a:lvl5pPr marL="1543050" indent="-171450" algn="l" defTabSz="685800" rtl="0" eaLnBrk="1" latinLnBrk="0" hangingPunct="1">
-              <a:lnSpc>
-                <a:spcPct val="120000"/>
-              </a:lnSpc>
-              <a:spcBef>
-                <a:spcPts val="375"/>
-              </a:spcBef>
-              <a:buClr>
-                <a:schemeClr val="tx1"/>
-              </a:buClr>
-              <a:buFont typeface="Arial" panose="020B0604020202020204" pitchFamily="34" charset="0"/>
-              <a:buChar char="•"/>
-              <a:defRPr sz="1050" kern="1200" cap="all" baseline="0">
-                <a:solidFill>
-                  <a:schemeClr val="tx1"/>
-                </a:solidFill>
-                <a:effectLst/>
-                <a:latin typeface="+mn-lt"/>
-                <a:ea typeface="+mn-ea"/>
-                <a:cs typeface="+mn-cs"/>
-              </a:defRPr>
-            </a:lvl5pPr>
-            <a:lvl6pPr marL="1885950" indent="-171450" algn="l" defTabSz="685800" rtl="0" eaLnBrk="1" latinLnBrk="0" hangingPunct="1">
-              <a:lnSpc>
-                <a:spcPct val="120000"/>
-              </a:lnSpc>
-              <a:spcBef>
-                <a:spcPts val="375"/>
-              </a:spcBef>
-              <a:buClr>
-                <a:schemeClr val="tx1"/>
-              </a:buClr>
-              <a:buFont typeface="Arial" panose="020B0604020202020204" pitchFamily="34" charset="0"/>
-              <a:buChar char="•"/>
-              <a:defRPr sz="1050" kern="1200" cap="all" baseline="0">
-                <a:solidFill>
-                  <a:schemeClr val="tx1"/>
-                </a:solidFill>
-                <a:effectLst/>
-                <a:latin typeface="+mn-lt"/>
-                <a:ea typeface="+mn-ea"/>
-                <a:cs typeface="+mn-cs"/>
-              </a:defRPr>
-            </a:lvl6pPr>
-            <a:lvl7pPr marL="2228850" indent="-171450" algn="l" defTabSz="685800" rtl="0" eaLnBrk="1" latinLnBrk="0" hangingPunct="1">
-              <a:lnSpc>
-                <a:spcPct val="120000"/>
-              </a:lnSpc>
-              <a:spcBef>
-                <a:spcPts val="375"/>
-              </a:spcBef>
-              <a:buClr>
-                <a:schemeClr val="tx1"/>
-              </a:buClr>
-              <a:buFont typeface="Arial" panose="020B0604020202020204" pitchFamily="34" charset="0"/>
-              <a:buChar char="•"/>
-              <a:defRPr sz="1050" kern="1200" cap="all" baseline="0">
-                <a:solidFill>
-                  <a:schemeClr val="tx1"/>
-                </a:solidFill>
-                <a:effectLst/>
-                <a:latin typeface="+mn-lt"/>
-                <a:ea typeface="+mn-ea"/>
-                <a:cs typeface="+mn-cs"/>
-              </a:defRPr>
-            </a:lvl7pPr>
-            <a:lvl8pPr marL="2571750" indent="-171450" algn="l" defTabSz="685800" rtl="0" eaLnBrk="1" latinLnBrk="0" hangingPunct="1">
-              <a:lnSpc>
-                <a:spcPct val="120000"/>
-              </a:lnSpc>
-              <a:spcBef>
-                <a:spcPts val="375"/>
-              </a:spcBef>
-              <a:buClr>
-                <a:schemeClr val="tx1"/>
-              </a:buClr>
-              <a:buFont typeface="Arial" panose="020B0604020202020204" pitchFamily="34" charset="0"/>
-              <a:buChar char="•"/>
-              <a:defRPr sz="1050" kern="1200" cap="all" baseline="0">
-                <a:solidFill>
-                  <a:schemeClr val="tx1"/>
-                </a:solidFill>
-                <a:effectLst/>
-                <a:latin typeface="+mn-lt"/>
-                <a:ea typeface="+mn-ea"/>
-                <a:cs typeface="+mn-cs"/>
-              </a:defRPr>
-            </a:lvl8pPr>
-            <a:lvl9pPr marL="2914650" indent="-171450" algn="l" defTabSz="685800" rtl="0" eaLnBrk="1" latinLnBrk="0" hangingPunct="1">
-              <a:lnSpc>
-                <a:spcPct val="120000"/>
-              </a:lnSpc>
-              <a:spcBef>
-                <a:spcPts val="375"/>
-              </a:spcBef>
-              <a:buClr>
-                <a:schemeClr val="tx1"/>
-              </a:buClr>
-              <a:buFont typeface="Arial" panose="020B0604020202020204" pitchFamily="34" charset="0"/>
-              <a:buChar char="•"/>
-              <a:defRPr sz="1050" kern="1200" cap="all" baseline="0">
-                <a:solidFill>
-                  <a:schemeClr val="tx1"/>
-                </a:solidFill>
-                <a:effectLst/>
-                <a:latin typeface="+mn-lt"/>
-                <a:ea typeface="+mn-ea"/>
-                <a:cs typeface="+mn-cs"/>
-              </a:defRPr>
-            </a:lvl9pPr>
-          </a:lstStyle>
-          <a:p>
-            <a:r>
-              <a:rPr lang="en-US" altLang="ko-KR" b="1" dirty="0">
-                <a:solidFill>
-                  <a:srgbClr val="5FBACE"/>
-                </a:solidFill>
-                <a:effectLst>
-                  <a:outerShdw blurRad="38100" dist="38100" dir="2700000" algn="tl">
-                    <a:srgbClr val="000000">
-                      <a:alpha val="43137"/>
-                    </a:srgbClr>
-                  </a:outerShdw>
-                </a:effectLst>
-                <a:latin typeface="Caviar Dreams" panose="020B0402020204020504" pitchFamily="34" charset="0"/>
-              </a:rPr>
-              <a:t>Âmbito - admin</a:t>
-            </a:r>
-            <a:endParaRPr lang="ko-KR" altLang="en-US" b="1" dirty="0">
-              <a:solidFill>
-                <a:srgbClr val="5FBACE"/>
-              </a:solidFill>
-              <a:effectLst>
-                <a:outerShdw blurRad="38100" dist="38100" dir="2700000" algn="tl">
-                  <a:srgbClr val="000000">
-                    <a:alpha val="43137"/>
-                  </a:srgbClr>
-                </a:outerShdw>
-              </a:effectLst>
-              <a:latin typeface="Caviar Dreams" panose="020B0402020204020504" pitchFamily="34" charset="0"/>
-            </a:endParaRPr>
-          </a:p>
-        </p:txBody>
-      </p:sp>
-      <p:pic>
-        <p:nvPicPr>
-          <p:cNvPr id="14" name="Imagem 13"/>
-          <p:cNvPicPr>
-            <a:picLocks noChangeAspect="1"/>
-          </p:cNvPicPr>
-          <p:nvPr/>
-        </p:nvPicPr>
-        <p:blipFill rotWithShape="1">
-          <a:blip r:embed="rId3" cstate="print">
-            <a:extLst>
-              <a:ext uri="{28A0092B-C50C-407E-A947-70E740481C1C}">
-                <a14:useLocalDpi xmlns:a14="http://schemas.microsoft.com/office/drawing/2010/main" val="0"/>
-              </a:ext>
-            </a:extLst>
-          </a:blip>
-          <a:srcRect l="8168" t="4473" r="37739" b="-638"/>
-          <a:stretch/>
-        </p:blipFill>
-        <p:spPr>
-          <a:xfrm>
-            <a:off x="7833304" y="90133"/>
-            <a:ext cx="1218818" cy="1218818"/>
-          </a:xfrm>
-          <a:prstGeom prst="rect">
-            <a:avLst/>
-          </a:prstGeom>
-        </p:spPr>
-      </p:pic>
-      <p:sp>
-        <p:nvSpPr>
-          <p:cNvPr id="15" name="CaixaDeTexto 14"/>
-          <p:cNvSpPr txBox="1"/>
-          <p:nvPr/>
-        </p:nvSpPr>
-        <p:spPr>
-          <a:xfrm>
-            <a:off x="249617" y="1645421"/>
-            <a:ext cx="1620000" cy="2537445"/>
-          </a:xfrm>
-          <a:prstGeom prst="rect">
-            <a:avLst/>
-          </a:prstGeom>
-          <a:solidFill>
-            <a:schemeClr val="bg1"/>
-          </a:solidFill>
-        </p:spPr>
-        <p:style>
-          <a:lnRef idx="2">
-            <a:schemeClr val="dk1">
-              <a:shade val="50000"/>
-            </a:schemeClr>
-          </a:lnRef>
-          <a:fillRef idx="1">
-            <a:schemeClr val="dk1"/>
-          </a:fillRef>
-          <a:effectRef idx="0">
-            <a:schemeClr val="dk1"/>
-          </a:effectRef>
-          <a:fontRef idx="minor">
-            <a:schemeClr val="lt1"/>
-          </a:fontRef>
-        </p:style>
-        <p:txBody>
-          <a:bodyPr wrap="square" rtlCol="0">
-            <a:spAutoFit/>
-          </a:bodyPr>
-          <a:lstStyle/>
-          <a:p>
-            <a:endParaRPr lang="en-GB" dirty="0"/>
-          </a:p>
-        </p:txBody>
-      </p:sp>
-      <p:sp>
-        <p:nvSpPr>
-          <p:cNvPr id="16" name="CaixaDeTexto 15"/>
-          <p:cNvSpPr txBox="1"/>
-          <p:nvPr/>
-        </p:nvSpPr>
-        <p:spPr>
-          <a:xfrm>
-            <a:off x="1964081" y="1645420"/>
-            <a:ext cx="1620000" cy="2537445"/>
-          </a:xfrm>
-          <a:prstGeom prst="rect">
-            <a:avLst/>
-          </a:prstGeom>
-          <a:solidFill>
-            <a:schemeClr val="bg1"/>
-          </a:solidFill>
-        </p:spPr>
-        <p:style>
-          <a:lnRef idx="2">
-            <a:schemeClr val="dk1">
-              <a:shade val="50000"/>
-            </a:schemeClr>
-          </a:lnRef>
-          <a:fillRef idx="1">
-            <a:schemeClr val="dk1"/>
-          </a:fillRef>
-          <a:effectRef idx="0">
-            <a:schemeClr val="dk1"/>
-          </a:effectRef>
-          <a:fontRef idx="minor">
-            <a:schemeClr val="lt1"/>
-          </a:fontRef>
-        </p:style>
-        <p:txBody>
-          <a:bodyPr wrap="square" rtlCol="0">
-            <a:spAutoFit/>
-          </a:bodyPr>
-          <a:lstStyle/>
-          <a:p>
-            <a:endParaRPr lang="en-GB" dirty="0"/>
-          </a:p>
-        </p:txBody>
-      </p:sp>
-      <p:sp>
-        <p:nvSpPr>
-          <p:cNvPr id="17" name="CaixaDeTexto 16"/>
-          <p:cNvSpPr txBox="1"/>
-          <p:nvPr/>
-        </p:nvSpPr>
-        <p:spPr>
-          <a:xfrm>
-            <a:off x="7280118" y="1645420"/>
-            <a:ext cx="1620000" cy="2537445"/>
-          </a:xfrm>
-          <a:prstGeom prst="rect">
-            <a:avLst/>
-          </a:prstGeom>
-          <a:solidFill>
-            <a:schemeClr val="bg1"/>
-          </a:solidFill>
-        </p:spPr>
-        <p:style>
-          <a:lnRef idx="2">
-            <a:schemeClr val="dk1">
-              <a:shade val="50000"/>
-            </a:schemeClr>
-          </a:lnRef>
-          <a:fillRef idx="1">
-            <a:schemeClr val="dk1"/>
-          </a:fillRef>
-          <a:effectRef idx="0">
-            <a:schemeClr val="dk1"/>
-          </a:effectRef>
-          <a:fontRef idx="minor">
-            <a:schemeClr val="lt1"/>
-          </a:fontRef>
-        </p:style>
-        <p:txBody>
-          <a:bodyPr wrap="square" rtlCol="0">
-            <a:spAutoFit/>
-          </a:bodyPr>
-          <a:lstStyle/>
-          <a:p>
-            <a:endParaRPr lang="en-GB" dirty="0"/>
-          </a:p>
-        </p:txBody>
-      </p:sp>
-      <p:sp>
-        <p:nvSpPr>
-          <p:cNvPr id="18" name="CaixaDeTexto 17"/>
-          <p:cNvSpPr txBox="1"/>
-          <p:nvPr/>
-        </p:nvSpPr>
-        <p:spPr>
-          <a:xfrm>
-            <a:off x="5564481" y="1645419"/>
-            <a:ext cx="1620000" cy="2537445"/>
-          </a:xfrm>
-          <a:prstGeom prst="rect">
-            <a:avLst/>
-          </a:prstGeom>
-          <a:solidFill>
-            <a:schemeClr val="bg1"/>
-          </a:solidFill>
-        </p:spPr>
-        <p:style>
-          <a:lnRef idx="2">
-            <a:schemeClr val="dk1">
-              <a:shade val="50000"/>
-            </a:schemeClr>
-          </a:lnRef>
-          <a:fillRef idx="1">
-            <a:schemeClr val="dk1"/>
-          </a:fillRef>
-          <a:effectRef idx="0">
-            <a:schemeClr val="dk1"/>
-          </a:effectRef>
-          <a:fontRef idx="minor">
-            <a:schemeClr val="lt1"/>
-          </a:fontRef>
-        </p:style>
-        <p:txBody>
-          <a:bodyPr wrap="square" rtlCol="0">
-            <a:spAutoFit/>
-          </a:bodyPr>
-          <a:lstStyle/>
-          <a:p>
-            <a:endParaRPr lang="en-GB" dirty="0"/>
-          </a:p>
-        </p:txBody>
-      </p:sp>
-      <p:sp>
-        <p:nvSpPr>
-          <p:cNvPr id="2" name="CaixaDeTexto 1"/>
-          <p:cNvSpPr txBox="1"/>
-          <p:nvPr/>
-        </p:nvSpPr>
-        <p:spPr>
-          <a:xfrm>
-            <a:off x="283499" y="2575975"/>
-            <a:ext cx="1558448" cy="584775"/>
-          </a:xfrm>
-          <a:prstGeom prst="rect">
-            <a:avLst/>
-          </a:prstGeom>
-          <a:noFill/>
-        </p:spPr>
-        <p:txBody>
-          <a:bodyPr wrap="square" rtlCol="0">
-            <a:spAutoFit/>
-          </a:bodyPr>
-          <a:lstStyle/>
-          <a:p>
-            <a:pPr algn="ctr"/>
-            <a:r>
-              <a:rPr lang="pt-PT" sz="1600" dirty="0">
-                <a:solidFill>
-                  <a:srgbClr val="2FA3EE"/>
-                </a:solidFill>
-                <a:latin typeface="Caviar Dreams" panose="020B0402020204020504" pitchFamily="34" charset="0"/>
-              </a:rPr>
-              <a:t>Configurador da plataforma</a:t>
-            </a:r>
-            <a:endParaRPr lang="en-GB" sz="1600" dirty="0">
-              <a:solidFill>
-                <a:srgbClr val="2FA3EE"/>
-              </a:solidFill>
-              <a:latin typeface="Caviar Dreams" panose="020B0402020204020504" pitchFamily="34" charset="0"/>
-            </a:endParaRPr>
-          </a:p>
-        </p:txBody>
-      </p:sp>
-      <p:sp>
-        <p:nvSpPr>
-          <p:cNvPr id="19" name="CaixaDeTexto 18"/>
-          <p:cNvSpPr txBox="1"/>
-          <p:nvPr/>
-        </p:nvSpPr>
-        <p:spPr>
-          <a:xfrm>
-            <a:off x="2026156" y="2678876"/>
-            <a:ext cx="1496632" cy="338554"/>
-          </a:xfrm>
-          <a:prstGeom prst="rect">
-            <a:avLst/>
-          </a:prstGeom>
-          <a:noFill/>
-        </p:spPr>
-        <p:txBody>
-          <a:bodyPr wrap="square" rtlCol="0">
-            <a:spAutoFit/>
-          </a:bodyPr>
-          <a:lstStyle/>
-          <a:p>
-            <a:pPr algn="ctr"/>
-            <a:r>
-              <a:rPr lang="pt-PT" sz="1600" dirty="0">
-                <a:solidFill>
-                  <a:srgbClr val="D99C3F"/>
-                </a:solidFill>
-                <a:latin typeface="Caviar Dreams" panose="020B0402020204020504" pitchFamily="34" charset="0"/>
-              </a:rPr>
-              <a:t>Acesso total</a:t>
-            </a:r>
-            <a:endParaRPr lang="en-GB" sz="1600" dirty="0">
-              <a:solidFill>
-                <a:srgbClr val="D99C3F"/>
-              </a:solidFill>
-              <a:latin typeface="Caviar Dreams" panose="020B0402020204020504" pitchFamily="34" charset="0"/>
-            </a:endParaRPr>
-          </a:p>
-        </p:txBody>
-      </p:sp>
-      <p:sp>
-        <p:nvSpPr>
-          <p:cNvPr id="20" name="CaixaDeTexto 19"/>
-          <p:cNvSpPr txBox="1"/>
-          <p:nvPr/>
-        </p:nvSpPr>
-        <p:spPr>
-          <a:xfrm>
-            <a:off x="5626165" y="2593800"/>
-            <a:ext cx="1496632" cy="584775"/>
-          </a:xfrm>
-          <a:prstGeom prst="rect">
-            <a:avLst/>
-          </a:prstGeom>
-          <a:noFill/>
-        </p:spPr>
-        <p:txBody>
-          <a:bodyPr wrap="square" rtlCol="0">
-            <a:spAutoFit/>
-          </a:bodyPr>
-          <a:lstStyle/>
-          <a:p>
-            <a:pPr algn="ctr"/>
-            <a:r>
-              <a:rPr lang="pt-PT" sz="1600" dirty="0">
-                <a:solidFill>
-                  <a:srgbClr val="86C157"/>
-                </a:solidFill>
-                <a:latin typeface="Caviar Dreams" panose="020B0402020204020504" pitchFamily="34" charset="0"/>
-              </a:rPr>
-              <a:t>Planeamento de estrutura </a:t>
-            </a:r>
-            <a:endParaRPr lang="en-GB" sz="1600" dirty="0">
-              <a:solidFill>
-                <a:srgbClr val="86C157"/>
-              </a:solidFill>
-              <a:latin typeface="Caviar Dreams" panose="020B0402020204020504" pitchFamily="34" charset="0"/>
-            </a:endParaRPr>
-          </a:p>
-        </p:txBody>
-      </p:sp>
-      <p:sp>
-        <p:nvSpPr>
-          <p:cNvPr id="21" name="CaixaDeTexto 20"/>
-          <p:cNvSpPr txBox="1"/>
-          <p:nvPr/>
-        </p:nvSpPr>
-        <p:spPr>
-          <a:xfrm>
-            <a:off x="7380312" y="2621753"/>
-            <a:ext cx="1496632" cy="584775"/>
-          </a:xfrm>
-          <a:prstGeom prst="rect">
-            <a:avLst/>
-          </a:prstGeom>
-          <a:noFill/>
-        </p:spPr>
-        <p:txBody>
-          <a:bodyPr wrap="square" rtlCol="0">
-            <a:spAutoFit/>
-          </a:bodyPr>
-          <a:lstStyle/>
-          <a:p>
-            <a:pPr algn="ctr"/>
-            <a:r>
-              <a:rPr lang="pt-PT" sz="1600" dirty="0">
-                <a:solidFill>
-                  <a:srgbClr val="CE6633"/>
-                </a:solidFill>
-                <a:latin typeface="Caviar Dreams" panose="020B0402020204020504" pitchFamily="34" charset="0"/>
-              </a:rPr>
-              <a:t>Organização de conteúdo</a:t>
-            </a:r>
-            <a:endParaRPr lang="en-GB" sz="1600" dirty="0">
-              <a:solidFill>
-                <a:srgbClr val="CE6633"/>
-              </a:solidFill>
-              <a:latin typeface="Caviar Dreams" panose="020B0402020204020504" pitchFamily="34" charset="0"/>
-            </a:endParaRPr>
-          </a:p>
-        </p:txBody>
-      </p:sp>
-      <p:sp>
-        <p:nvSpPr>
-          <p:cNvPr id="22" name="Donut 22">
-            <a:extLst>
-              <a:ext uri="{FF2B5EF4-FFF2-40B4-BE49-F238E27FC236}">
-                <a16:creationId xmlns:a16="http://schemas.microsoft.com/office/drawing/2014/main" id="{A896B587-4F20-44DB-9E28-205C719BADD6}"/>
-              </a:ext>
-            </a:extLst>
-          </p:cNvPr>
-          <p:cNvSpPr>
-            <a:spLocks noChangeAspect="1"/>
-          </p:cNvSpPr>
-          <p:nvPr/>
-        </p:nvSpPr>
-        <p:spPr>
-          <a:xfrm>
-            <a:off x="2594472" y="3423686"/>
-            <a:ext cx="360000" cy="184392"/>
-          </a:xfrm>
-          <a:custGeom>
-            <a:avLst/>
-            <a:gdLst/>
-            <a:ahLst/>
-            <a:cxnLst/>
-            <a:rect l="l" t="t" r="r" b="b"/>
-            <a:pathLst>
-              <a:path w="3372524" h="1727404">
-                <a:moveTo>
-                  <a:pt x="1758003" y="666958"/>
-                </a:moveTo>
-                <a:cubicBezTo>
-                  <a:pt x="1703684" y="666958"/>
-                  <a:pt x="1659649" y="710993"/>
-                  <a:pt x="1659649" y="765312"/>
-                </a:cubicBezTo>
-                <a:cubicBezTo>
-                  <a:pt x="1659649" y="819631"/>
-                  <a:pt x="1703684" y="863666"/>
-                  <a:pt x="1758003" y="863666"/>
-                </a:cubicBezTo>
-                <a:cubicBezTo>
-                  <a:pt x="1812322" y="863666"/>
-                  <a:pt x="1856357" y="819631"/>
-                  <a:pt x="1856357" y="765312"/>
-                </a:cubicBezTo>
-                <a:cubicBezTo>
-                  <a:pt x="1856357" y="710993"/>
-                  <a:pt x="1812322" y="666958"/>
-                  <a:pt x="1758003" y="666958"/>
-                </a:cubicBezTo>
-                <a:close/>
-                <a:moveTo>
-                  <a:pt x="1686261" y="586208"/>
-                </a:moveTo>
-                <a:cubicBezTo>
-                  <a:pt x="1849880" y="586208"/>
-                  <a:pt x="1982519" y="718847"/>
-                  <a:pt x="1982519" y="882466"/>
-                </a:cubicBezTo>
-                <a:cubicBezTo>
-                  <a:pt x="1982519" y="1046085"/>
-                  <a:pt x="1849880" y="1178724"/>
-                  <a:pt x="1686261" y="1178724"/>
-                </a:cubicBezTo>
-                <a:cubicBezTo>
-                  <a:pt x="1522642" y="1178724"/>
-                  <a:pt x="1390003" y="1046085"/>
-                  <a:pt x="1390003" y="882466"/>
-                </a:cubicBezTo>
-                <a:cubicBezTo>
-                  <a:pt x="1390003" y="718847"/>
-                  <a:pt x="1522642" y="586208"/>
-                  <a:pt x="1686261" y="586208"/>
-                </a:cubicBezTo>
-                <a:close/>
-                <a:moveTo>
-                  <a:pt x="1686262" y="448985"/>
-                </a:moveTo>
-                <a:cubicBezTo>
-                  <a:pt x="1446857" y="448985"/>
-                  <a:pt x="1252780" y="643062"/>
-                  <a:pt x="1252780" y="882467"/>
-                </a:cubicBezTo>
-                <a:cubicBezTo>
-                  <a:pt x="1252780" y="1121872"/>
-                  <a:pt x="1446857" y="1315949"/>
-                  <a:pt x="1686262" y="1315949"/>
-                </a:cubicBezTo>
-                <a:cubicBezTo>
-                  <a:pt x="1925667" y="1315949"/>
-                  <a:pt x="2119744" y="1121872"/>
-                  <a:pt x="2119744" y="882467"/>
-                </a:cubicBezTo>
-                <a:cubicBezTo>
-                  <a:pt x="2119744" y="643062"/>
-                  <a:pt x="1925667" y="448985"/>
-                  <a:pt x="1686262" y="448985"/>
-                </a:cubicBezTo>
-                <a:close/>
-                <a:moveTo>
-                  <a:pt x="1893261" y="271274"/>
-                </a:moveTo>
-                <a:cubicBezTo>
-                  <a:pt x="2150128" y="355123"/>
-                  <a:pt x="2334334" y="597283"/>
-                  <a:pt x="2334334" y="882467"/>
-                </a:cubicBezTo>
-                <a:cubicBezTo>
-                  <a:pt x="2334334" y="1103921"/>
-                  <a:pt x="2223259" y="1299432"/>
-                  <a:pt x="2053457" y="1415856"/>
-                </a:cubicBezTo>
-                <a:cubicBezTo>
-                  <a:pt x="2494577" y="1286853"/>
-                  <a:pt x="2931337" y="1005905"/>
-                  <a:pt x="2940842" y="882353"/>
-                </a:cubicBezTo>
-                <a:lnTo>
-                  <a:pt x="2946401" y="882364"/>
-                </a:lnTo>
-                <a:lnTo>
-                  <a:pt x="2943679" y="877137"/>
-                </a:lnTo>
-                <a:lnTo>
-                  <a:pt x="2946401" y="872130"/>
-                </a:lnTo>
-                <a:lnTo>
-                  <a:pt x="2941077" y="872141"/>
-                </a:lnTo>
-                <a:cubicBezTo>
-                  <a:pt x="2875996" y="732702"/>
-                  <a:pt x="2369865" y="377972"/>
-                  <a:pt x="1893261" y="271274"/>
-                </a:cubicBezTo>
-                <a:close/>
-                <a:moveTo>
-                  <a:pt x="1525754" y="256843"/>
-                </a:moveTo>
-                <a:cubicBezTo>
-                  <a:pt x="984953" y="339274"/>
-                  <a:pt x="426123" y="752145"/>
-                  <a:pt x="426123" y="877021"/>
-                </a:cubicBezTo>
-                <a:lnTo>
-                  <a:pt x="426123" y="877247"/>
-                </a:lnTo>
-                <a:cubicBezTo>
-                  <a:pt x="439083" y="984175"/>
-                  <a:pt x="877625" y="1311577"/>
-                  <a:pt x="1355183" y="1436828"/>
-                </a:cubicBezTo>
-                <a:cubicBezTo>
-                  <a:pt x="1164798" y="1325758"/>
-                  <a:pt x="1038190" y="1118898"/>
-                  <a:pt x="1038190" y="882467"/>
-                </a:cubicBezTo>
-                <a:cubicBezTo>
-                  <a:pt x="1038190" y="580157"/>
-                  <a:pt x="1245184" y="326193"/>
-                  <a:pt x="1525754" y="256843"/>
-                </a:cubicBezTo>
-                <a:close/>
-                <a:moveTo>
-                  <a:pt x="1682713" y="0"/>
-                </a:moveTo>
-                <a:cubicBezTo>
-                  <a:pt x="2385858" y="36225"/>
-                  <a:pt x="3265322" y="653066"/>
-                  <a:pt x="3365400" y="875412"/>
-                </a:cubicBezTo>
-                <a:lnTo>
-                  <a:pt x="3372524" y="875397"/>
-                </a:lnTo>
-                <a:lnTo>
-                  <a:pt x="3368881" y="882344"/>
-                </a:lnTo>
-                <a:lnTo>
-                  <a:pt x="3372524" y="889597"/>
-                </a:lnTo>
-                <a:lnTo>
-                  <a:pt x="3365086" y="889581"/>
-                </a:lnTo>
-                <a:cubicBezTo>
-                  <a:pt x="3348713" y="1110249"/>
-                  <a:pt x="2385134" y="1692746"/>
-                  <a:pt x="1682713" y="1727404"/>
-                </a:cubicBezTo>
-                <a:cubicBezTo>
-                  <a:pt x="901706" y="1708470"/>
-                  <a:pt x="21301" y="1064732"/>
-                  <a:pt x="0" y="882497"/>
-                </a:cubicBezTo>
-                <a:lnTo>
-                  <a:pt x="0" y="882184"/>
-                </a:lnTo>
-                <a:cubicBezTo>
-                  <a:pt x="0" y="691908"/>
-                  <a:pt x="901706" y="19770"/>
-                  <a:pt x="1682713" y="0"/>
-                </a:cubicBezTo>
-                <a:close/>
-              </a:path>
-            </a:pathLst>
-          </a:custGeom>
-          <a:solidFill>
-            <a:srgbClr val="D99C3F"/>
-          </a:solidFill>
-          <a:ln>
-            <a:noFill/>
-          </a:ln>
-        </p:spPr>
-        <p:style>
-          <a:lnRef idx="2">
-            <a:schemeClr val="accent1">
-              <a:shade val="50000"/>
-            </a:schemeClr>
-          </a:lnRef>
-          <a:fillRef idx="1">
-            <a:schemeClr val="accent1"/>
-          </a:fillRef>
-          <a:effectRef idx="0">
-            <a:schemeClr val="accent1"/>
-          </a:effectRef>
-          <a:fontRef idx="minor">
-            <a:schemeClr val="lt1"/>
-          </a:fontRef>
-        </p:style>
-        <p:txBody>
-          <a:bodyPr rtlCol="0" anchor="ctr"/>
-          <a:lstStyle/>
-          <a:p>
-            <a:pPr algn="ctr"/>
-            <a:endParaRPr lang="ko-KR" altLang="en-US">
-              <a:solidFill>
-                <a:schemeClr val="tx1"/>
-              </a:solidFill>
-            </a:endParaRPr>
-          </a:p>
-        </p:txBody>
-      </p:sp>
-      <p:sp>
-        <p:nvSpPr>
-          <p:cNvPr id="23" name="Isosceles Triangle 68">
-            <a:extLst>
-              <a:ext uri="{FF2B5EF4-FFF2-40B4-BE49-F238E27FC236}">
-                <a16:creationId xmlns:a16="http://schemas.microsoft.com/office/drawing/2014/main" id="{870C564B-4826-4504-AD55-BCA183FFA29B}"/>
-              </a:ext>
-            </a:extLst>
-          </p:cNvPr>
-          <p:cNvSpPr/>
-          <p:nvPr/>
-        </p:nvSpPr>
-        <p:spPr>
-          <a:xfrm rot="10800000">
-            <a:off x="981934" y="3327476"/>
-            <a:ext cx="154974" cy="482618"/>
-          </a:xfrm>
-          <a:custGeom>
-            <a:avLst/>
-            <a:gdLst/>
-            <a:ahLst/>
-            <a:cxnLst/>
-            <a:rect l="l" t="t" r="r" b="b"/>
-            <a:pathLst>
-              <a:path w="1040400" h="3240000">
-                <a:moveTo>
-                  <a:pt x="41345" y="940666"/>
-                </a:moveTo>
-                <a:lnTo>
-                  <a:pt x="1242" y="653403"/>
-                </a:lnTo>
-                <a:lnTo>
-                  <a:pt x="0" y="653403"/>
-                </a:lnTo>
-                <a:lnTo>
-                  <a:pt x="1057" y="652077"/>
-                </a:lnTo>
-                <a:lnTo>
-                  <a:pt x="447" y="647712"/>
-                </a:lnTo>
-                <a:lnTo>
-                  <a:pt x="4531" y="647712"/>
-                </a:lnTo>
-                <a:lnTo>
-                  <a:pt x="520200" y="0"/>
-                </a:lnTo>
-                <a:lnTo>
-                  <a:pt x="659109" y="174478"/>
-                </a:lnTo>
-                <a:close/>
-                <a:moveTo>
-                  <a:pt x="101622" y="1372451"/>
-                </a:moveTo>
-                <a:lnTo>
-                  <a:pt x="61820" y="1087335"/>
-                </a:lnTo>
-                <a:lnTo>
-                  <a:pt x="728036" y="261055"/>
-                </a:lnTo>
-                <a:lnTo>
-                  <a:pt x="870500" y="439998"/>
-                </a:lnTo>
-                <a:lnTo>
-                  <a:pt x="860164" y="431664"/>
-                </a:lnTo>
-                <a:close/>
-                <a:moveTo>
-                  <a:pt x="161365" y="1800403"/>
-                </a:moveTo>
-                <a:lnTo>
-                  <a:pt x="122098" y="1519120"/>
-                </a:lnTo>
-                <a:lnTo>
-                  <a:pt x="930953" y="515931"/>
-                </a:lnTo>
-                <a:lnTo>
-                  <a:pt x="1035869" y="647712"/>
-                </a:lnTo>
-                <a:lnTo>
-                  <a:pt x="1039954" y="647712"/>
-                </a:lnTo>
-                <a:lnTo>
-                  <a:pt x="1039345" y="652078"/>
-                </a:lnTo>
-                <a:lnTo>
-                  <a:pt x="1040400" y="653403"/>
-                </a:lnTo>
-                <a:lnTo>
-                  <a:pt x="1039160" y="653403"/>
-                </a:lnTo>
-                <a:lnTo>
-                  <a:pt x="1029316" y="723920"/>
-                </a:lnTo>
-                <a:close/>
-                <a:moveTo>
-                  <a:pt x="217894" y="2205330"/>
-                </a:moveTo>
-                <a:lnTo>
-                  <a:pt x="181840" y="1947070"/>
-                </a:lnTo>
-                <a:lnTo>
-                  <a:pt x="1000266" y="932012"/>
-                </a:lnTo>
-                <a:lnTo>
-                  <a:pt x="949113" y="1298429"/>
-                </a:lnTo>
-                <a:close/>
-                <a:moveTo>
-                  <a:pt x="330192" y="2564220"/>
-                </a:moveTo>
-                <a:lnTo>
-                  <a:pt x="267995" y="2564220"/>
-                </a:lnTo>
-                <a:lnTo>
-                  <a:pt x="237100" y="2342912"/>
-                </a:lnTo>
-                <a:lnTo>
-                  <a:pt x="242309" y="2347112"/>
-                </a:lnTo>
-                <a:lnTo>
-                  <a:pt x="920063" y="1506522"/>
-                </a:lnTo>
-                <a:lnTo>
-                  <a:pt x="865005" y="1900914"/>
-                </a:lnTo>
-                <a:close/>
-                <a:moveTo>
-                  <a:pt x="772406" y="2564220"/>
-                </a:moveTo>
-                <a:lnTo>
-                  <a:pt x="468924" y="2564220"/>
-                </a:lnTo>
-                <a:lnTo>
-                  <a:pt x="835955" y="2109008"/>
-                </a:lnTo>
-                <a:close/>
-                <a:moveTo>
-                  <a:pt x="892044" y="3240000"/>
-                </a:moveTo>
-                <a:lnTo>
-                  <a:pt x="148356" y="3240000"/>
-                </a:lnTo>
-                <a:lnTo>
-                  <a:pt x="276144" y="2663936"/>
-                </a:lnTo>
-                <a:lnTo>
-                  <a:pt x="764256" y="2663936"/>
-                </a:lnTo>
-                <a:close/>
-              </a:path>
-            </a:pathLst>
-          </a:custGeom>
-          <a:solidFill>
-            <a:srgbClr val="2FA3EE"/>
-          </a:solidFill>
-          <a:ln>
-            <a:noFill/>
-          </a:ln>
-        </p:spPr>
-        <p:style>
-          <a:lnRef idx="2">
-            <a:schemeClr val="accent1">
-              <a:shade val="50000"/>
-            </a:schemeClr>
-          </a:lnRef>
-          <a:fillRef idx="1">
-            <a:schemeClr val="accent1"/>
-          </a:fillRef>
-          <a:effectRef idx="0">
-            <a:schemeClr val="accent1"/>
-          </a:effectRef>
-          <a:fontRef idx="minor">
-            <a:schemeClr val="lt1"/>
-          </a:fontRef>
-        </p:style>
-        <p:txBody>
-          <a:bodyPr rot="0" spcFirstLastPara="0" vertOverflow="overflow" horzOverflow="overflow" vert="horz" wrap="square" lIns="91440" tIns="45720" rIns="91440" bIns="45720" numCol="1" spcCol="0" rtlCol="0" fromWordArt="0" anchor="ctr" anchorCtr="0" forceAA="0" compatLnSpc="1">
-            <a:prstTxWarp prst="textNoShape">
-              <a:avLst/>
-            </a:prstTxWarp>
-            <a:noAutofit/>
-          </a:bodyPr>
-          <a:lstStyle/>
-          <a:p>
-            <a:pPr algn="ctr"/>
-            <a:endParaRPr lang="ko-KR" altLang="en-US"/>
-          </a:p>
-        </p:txBody>
-      </p:sp>
-      <p:sp>
-        <p:nvSpPr>
-          <p:cNvPr id="24" name="Freeform 108">
-            <a:extLst>
-              <a:ext uri="{FF2B5EF4-FFF2-40B4-BE49-F238E27FC236}">
-                <a16:creationId xmlns:a16="http://schemas.microsoft.com/office/drawing/2014/main" id="{7562F491-4A4D-48E7-9D8D-85C13BA9A2B2}"/>
-              </a:ext>
-            </a:extLst>
-          </p:cNvPr>
-          <p:cNvSpPr/>
-          <p:nvPr/>
-        </p:nvSpPr>
-        <p:spPr>
-          <a:xfrm>
-            <a:off x="7928173" y="3327476"/>
-            <a:ext cx="341005" cy="376812"/>
-          </a:xfrm>
-          <a:custGeom>
-            <a:avLst/>
-            <a:gdLst/>
-            <a:ahLst/>
-            <a:cxnLst/>
-            <a:rect l="l" t="t" r="r" b="b"/>
-            <a:pathLst>
-              <a:path w="341005" h="376812">
-                <a:moveTo>
-                  <a:pt x="179590" y="105941"/>
-                </a:moveTo>
-                <a:cubicBezTo>
-                  <a:pt x="189466" y="103284"/>
-                  <a:pt x="200229" y="106383"/>
-                  <a:pt x="207502" y="113978"/>
-                </a:cubicBezTo>
-                <a:lnTo>
-                  <a:pt x="205155" y="116193"/>
-                </a:lnTo>
-                <a:cubicBezTo>
-                  <a:pt x="198727" y="109493"/>
-                  <a:pt x="189244" y="106732"/>
-                  <a:pt x="180543" y="109027"/>
-                </a:cubicBezTo>
-                <a:cubicBezTo>
-                  <a:pt x="171284" y="111470"/>
-                  <a:pt x="164597" y="119184"/>
-                  <a:pt x="163491" y="128699"/>
-                </a:cubicBezTo>
-                <a:lnTo>
-                  <a:pt x="160301" y="128192"/>
-                </a:lnTo>
-                <a:cubicBezTo>
-                  <a:pt x="160626" y="125509"/>
-                  <a:pt x="161343" y="122953"/>
-                  <a:pt x="162397" y="120583"/>
-                </a:cubicBezTo>
-                <a:cubicBezTo>
-                  <a:pt x="163188" y="118806"/>
-                  <a:pt x="164168" y="117134"/>
-                  <a:pt x="165317" y="115593"/>
-                </a:cubicBezTo>
-                <a:close/>
-                <a:moveTo>
-                  <a:pt x="184774" y="76800"/>
-                </a:moveTo>
-                <a:cubicBezTo>
-                  <a:pt x="189722" y="75892"/>
-                  <a:pt x="194950" y="76276"/>
-                  <a:pt x="199898" y="78055"/>
-                </a:cubicBezTo>
-                <a:lnTo>
-                  <a:pt x="198784" y="81085"/>
-                </a:lnTo>
-                <a:cubicBezTo>
-                  <a:pt x="190044" y="77951"/>
-                  <a:pt x="180324" y="79705"/>
-                  <a:pt x="173557" y="85636"/>
-                </a:cubicBezTo>
-                <a:cubicBezTo>
-                  <a:pt x="166357" y="91948"/>
-                  <a:pt x="163808" y="101834"/>
-                  <a:pt x="167057" y="110845"/>
-                </a:cubicBezTo>
-                <a:lnTo>
-                  <a:pt x="163976" y="111813"/>
-                </a:lnTo>
-                <a:cubicBezTo>
-                  <a:pt x="161264" y="104174"/>
-                  <a:pt x="162206" y="95982"/>
-                  <a:pt x="166259" y="89343"/>
-                </a:cubicBezTo>
-                <a:lnTo>
-                  <a:pt x="171329" y="83298"/>
-                </a:lnTo>
-                <a:cubicBezTo>
-                  <a:pt x="175158" y="79908"/>
-                  <a:pt x="179826" y="77708"/>
-                  <a:pt x="184774" y="76800"/>
-                </a:cubicBezTo>
-                <a:close/>
-                <a:moveTo>
-                  <a:pt x="179076" y="24908"/>
-                </a:moveTo>
-                <a:cubicBezTo>
-                  <a:pt x="173882" y="25821"/>
-                  <a:pt x="169065" y="28595"/>
-                  <a:pt x="165693" y="33023"/>
-                </a:cubicBezTo>
-                <a:lnTo>
-                  <a:pt x="165081" y="32645"/>
-                </a:lnTo>
-                <a:lnTo>
-                  <a:pt x="164343" y="33841"/>
-                </a:lnTo>
-                <a:lnTo>
-                  <a:pt x="159156" y="28989"/>
-                </a:lnTo>
-                <a:cubicBezTo>
-                  <a:pt x="147650" y="21890"/>
-                  <a:pt x="132568" y="25462"/>
-                  <a:pt x="125468" y="36968"/>
-                </a:cubicBezTo>
-                <a:cubicBezTo>
-                  <a:pt x="125028" y="37682"/>
-                  <a:pt x="124628" y="38410"/>
-                  <a:pt x="124607" y="39302"/>
-                </a:cubicBezTo>
-                <a:cubicBezTo>
-                  <a:pt x="121192" y="53871"/>
-                  <a:pt x="126621" y="67918"/>
-                  <a:pt x="137512" y="72288"/>
-                </a:cubicBezTo>
-                <a:lnTo>
-                  <a:pt x="136408" y="75373"/>
-                </a:lnTo>
-                <a:cubicBezTo>
-                  <a:pt x="125065" y="70889"/>
-                  <a:pt x="118824" y="57470"/>
-                  <a:pt x="120792" y="42874"/>
-                </a:cubicBezTo>
-                <a:cubicBezTo>
-                  <a:pt x="110219" y="38045"/>
-                  <a:pt x="97555" y="41998"/>
-                  <a:pt x="91229" y="52250"/>
-                </a:cubicBezTo>
-                <a:cubicBezTo>
-                  <a:pt x="86215" y="60377"/>
-                  <a:pt x="87164" y="68019"/>
-                  <a:pt x="90995" y="75559"/>
-                </a:cubicBezTo>
-                <a:cubicBezTo>
-                  <a:pt x="88405" y="77546"/>
-                  <a:pt x="86197" y="80074"/>
-                  <a:pt x="84391" y="83001"/>
-                </a:cubicBezTo>
-                <a:cubicBezTo>
-                  <a:pt x="75261" y="97799"/>
-                  <a:pt x="79855" y="117197"/>
-                  <a:pt x="94653" y="126328"/>
-                </a:cubicBezTo>
-                <a:cubicBezTo>
-                  <a:pt x="99603" y="129383"/>
-                  <a:pt x="105068" y="130901"/>
-                  <a:pt x="110449" y="130283"/>
-                </a:cubicBezTo>
-                <a:cubicBezTo>
-                  <a:pt x="111461" y="121556"/>
-                  <a:pt x="114239" y="112980"/>
-                  <a:pt x="118788" y="105103"/>
-                </a:cubicBezTo>
-                <a:lnTo>
-                  <a:pt x="122060" y="106993"/>
-                </a:lnTo>
-                <a:cubicBezTo>
-                  <a:pt x="117549" y="114804"/>
-                  <a:pt x="114885" y="123345"/>
-                  <a:pt x="114602" y="132066"/>
-                </a:cubicBezTo>
-                <a:cubicBezTo>
-                  <a:pt x="118189" y="142541"/>
-                  <a:pt x="127538" y="149533"/>
-                  <a:pt x="138054" y="150704"/>
-                </a:cubicBezTo>
-                <a:lnTo>
-                  <a:pt x="138622" y="157584"/>
-                </a:lnTo>
-                <a:cubicBezTo>
-                  <a:pt x="141809" y="168599"/>
-                  <a:pt x="152592" y="175355"/>
-                  <a:pt x="163536" y="173320"/>
-                </a:cubicBezTo>
-                <a:lnTo>
-                  <a:pt x="163736" y="174011"/>
-                </a:lnTo>
-                <a:lnTo>
-                  <a:pt x="165086" y="173621"/>
-                </a:lnTo>
-                <a:lnTo>
-                  <a:pt x="165671" y="180699"/>
-                </a:lnTo>
-                <a:cubicBezTo>
-                  <a:pt x="169429" y="193686"/>
-                  <a:pt x="183003" y="201168"/>
-                  <a:pt x="195990" y="197411"/>
-                </a:cubicBezTo>
-                <a:cubicBezTo>
-                  <a:pt x="196796" y="197178"/>
-                  <a:pt x="197581" y="196907"/>
-                  <a:pt x="198196" y="196260"/>
-                </a:cubicBezTo>
-                <a:cubicBezTo>
-                  <a:pt x="209934" y="188156"/>
-                  <a:pt x="215400" y="175007"/>
-                  <a:pt x="211155" y="164763"/>
-                </a:cubicBezTo>
-                <a:cubicBezTo>
-                  <a:pt x="205121" y="170199"/>
-                  <a:pt x="196738" y="172687"/>
-                  <a:pt x="188343" y="171472"/>
-                </a:cubicBezTo>
-                <a:lnTo>
-                  <a:pt x="188829" y="168281"/>
-                </a:lnTo>
-                <a:cubicBezTo>
-                  <a:pt x="198020" y="169602"/>
-                  <a:pt x="207192" y="165939"/>
-                  <a:pt x="212635" y="158774"/>
-                </a:cubicBezTo>
-                <a:cubicBezTo>
-                  <a:pt x="218427" y="151149"/>
-                  <a:pt x="218946" y="140953"/>
-                  <a:pt x="213960" y="132774"/>
-                </a:cubicBezTo>
-                <a:lnTo>
-                  <a:pt x="216785" y="131210"/>
-                </a:lnTo>
-                <a:cubicBezTo>
-                  <a:pt x="222366" y="140465"/>
-                  <a:pt x="221779" y="151983"/>
-                  <a:pt x="215286" y="160619"/>
-                </a:cubicBezTo>
-                <a:lnTo>
-                  <a:pt x="213805" y="162105"/>
-                </a:lnTo>
-                <a:cubicBezTo>
-                  <a:pt x="218946" y="172938"/>
-                  <a:pt x="214526" y="186813"/>
-                  <a:pt x="203421" y="196175"/>
-                </a:cubicBezTo>
-                <a:cubicBezTo>
-                  <a:pt x="208012" y="206854"/>
-                  <a:pt x="220050" y="212429"/>
-                  <a:pt x="231622" y="209082"/>
-                </a:cubicBezTo>
-                <a:cubicBezTo>
-                  <a:pt x="239377" y="206838"/>
-                  <a:pt x="243741" y="201989"/>
-                  <a:pt x="246092" y="195539"/>
-                </a:cubicBezTo>
-                <a:cubicBezTo>
-                  <a:pt x="255042" y="199507"/>
-                  <a:pt x="265290" y="198199"/>
-                  <a:pt x="272958" y="192601"/>
-                </a:cubicBezTo>
-                <a:lnTo>
-                  <a:pt x="276795" y="193971"/>
-                </a:lnTo>
-                <a:cubicBezTo>
-                  <a:pt x="289009" y="194016"/>
-                  <a:pt x="298363" y="193248"/>
-                  <a:pt x="304258" y="183694"/>
-                </a:cubicBezTo>
-                <a:cubicBezTo>
-                  <a:pt x="309343" y="175453"/>
-                  <a:pt x="308953" y="165378"/>
-                  <a:pt x="303795" y="157923"/>
-                </a:cubicBezTo>
-                <a:cubicBezTo>
-                  <a:pt x="298315" y="164420"/>
-                  <a:pt x="291041" y="168177"/>
-                  <a:pt x="283702" y="168174"/>
-                </a:cubicBezTo>
-                <a:lnTo>
-                  <a:pt x="283555" y="164527"/>
-                </a:lnTo>
-                <a:cubicBezTo>
-                  <a:pt x="293404" y="164978"/>
-                  <a:pt x="303289" y="157339"/>
-                  <a:pt x="308110" y="145450"/>
-                </a:cubicBezTo>
-                <a:cubicBezTo>
-                  <a:pt x="311022" y="136198"/>
-                  <a:pt x="308752" y="126109"/>
-                  <a:pt x="302169" y="119023"/>
-                </a:cubicBezTo>
-                <a:cubicBezTo>
-                  <a:pt x="296249" y="127191"/>
-                  <a:pt x="286098" y="131525"/>
-                  <a:pt x="275782" y="130309"/>
-                </a:cubicBezTo>
-                <a:lnTo>
-                  <a:pt x="276183" y="127106"/>
-                </a:lnTo>
-                <a:cubicBezTo>
-                  <a:pt x="285405" y="128184"/>
-                  <a:pt x="294478" y="124281"/>
-                  <a:pt x="299730" y="116974"/>
-                </a:cubicBezTo>
-                <a:lnTo>
-                  <a:pt x="300207" y="116045"/>
-                </a:lnTo>
-                <a:cubicBezTo>
-                  <a:pt x="300079" y="107222"/>
-                  <a:pt x="295342" y="98867"/>
-                  <a:pt x="287259" y="93880"/>
-                </a:cubicBezTo>
-                <a:cubicBezTo>
-                  <a:pt x="284295" y="92051"/>
-                  <a:pt x="281129" y="90828"/>
-                  <a:pt x="277855" y="90561"/>
-                </a:cubicBezTo>
-                <a:cubicBezTo>
-                  <a:pt x="271916" y="104194"/>
-                  <a:pt x="259881" y="112708"/>
-                  <a:pt x="248172" y="111695"/>
-                </a:cubicBezTo>
-                <a:cubicBezTo>
-                  <a:pt x="248002" y="114741"/>
-                  <a:pt x="246936" y="117719"/>
-                  <a:pt x="245089" y="120348"/>
-                </a:cubicBezTo>
-                <a:cubicBezTo>
-                  <a:pt x="241307" y="125729"/>
-                  <a:pt x="234825" y="128827"/>
-                  <a:pt x="228007" y="128511"/>
-                </a:cubicBezTo>
-                <a:lnTo>
-                  <a:pt x="228158" y="125380"/>
-                </a:lnTo>
-                <a:cubicBezTo>
-                  <a:pt x="233848" y="125642"/>
-                  <a:pt x="239262" y="123097"/>
-                  <a:pt x="242439" y="118667"/>
-                </a:cubicBezTo>
-                <a:cubicBezTo>
-                  <a:pt x="244071" y="116391"/>
-                  <a:pt x="244987" y="113796"/>
-                  <a:pt x="245116" y="111152"/>
-                </a:cubicBezTo>
-                <a:lnTo>
-                  <a:pt x="243716" y="110904"/>
-                </a:lnTo>
-                <a:lnTo>
-                  <a:pt x="244539" y="108155"/>
-                </a:lnTo>
-                <a:cubicBezTo>
-                  <a:pt x="244792" y="106166"/>
-                  <a:pt x="244131" y="104285"/>
-                  <a:pt x="243078" y="102544"/>
-                </a:cubicBezTo>
-                <a:cubicBezTo>
-                  <a:pt x="240257" y="97875"/>
-                  <a:pt x="235048" y="94922"/>
-                  <a:pt x="229344" y="94755"/>
-                </a:cubicBezTo>
-                <a:lnTo>
-                  <a:pt x="229436" y="91621"/>
-                </a:lnTo>
-                <a:cubicBezTo>
-                  <a:pt x="236268" y="91821"/>
-                  <a:pt x="242499" y="95409"/>
-                  <a:pt x="245850" y="101072"/>
-                </a:cubicBezTo>
-                <a:cubicBezTo>
-                  <a:pt x="247129" y="103235"/>
-                  <a:pt x="247915" y="105575"/>
-                  <a:pt x="248037" y="107973"/>
-                </a:cubicBezTo>
-                <a:cubicBezTo>
-                  <a:pt x="258268" y="109553"/>
-                  <a:pt x="268981" y="102051"/>
-                  <a:pt x="274232" y="89778"/>
-                </a:cubicBezTo>
-                <a:cubicBezTo>
-                  <a:pt x="278708" y="77339"/>
-                  <a:pt x="274020" y="63056"/>
-                  <a:pt x="262316" y="55834"/>
-                </a:cubicBezTo>
-                <a:cubicBezTo>
-                  <a:pt x="257734" y="53007"/>
-                  <a:pt x="252666" y="51626"/>
-                  <a:pt x="247691" y="52231"/>
-                </a:cubicBezTo>
-                <a:cubicBezTo>
-                  <a:pt x="248705" y="60913"/>
-                  <a:pt x="245967" y="69020"/>
-                  <a:pt x="239739" y="74185"/>
-                </a:cubicBezTo>
-                <a:lnTo>
-                  <a:pt x="237649" y="71664"/>
-                </a:lnTo>
-                <a:cubicBezTo>
-                  <a:pt x="244579" y="65918"/>
-                  <a:pt x="246481" y="55888"/>
-                  <a:pt x="243151" y="45920"/>
-                </a:cubicBezTo>
-                <a:cubicBezTo>
-                  <a:pt x="241194" y="40124"/>
-                  <a:pt x="237183" y="35004"/>
-                  <a:pt x="231542" y="31523"/>
-                </a:cubicBezTo>
-                <a:cubicBezTo>
-                  <a:pt x="221392" y="25261"/>
-                  <a:pt x="208864" y="26095"/>
-                  <a:pt x="199763" y="32668"/>
-                </a:cubicBezTo>
-                <a:lnTo>
-                  <a:pt x="194721" y="27952"/>
-                </a:lnTo>
-                <a:cubicBezTo>
-                  <a:pt x="189842" y="24941"/>
-                  <a:pt x="184271" y="23995"/>
-                  <a:pt x="179076" y="24908"/>
-                </a:cubicBezTo>
-                <a:close/>
-                <a:moveTo>
-                  <a:pt x="190632" y="62"/>
-                </a:moveTo>
-                <a:cubicBezTo>
-                  <a:pt x="300121" y="2329"/>
-                  <a:pt x="391248" y="125645"/>
-                  <a:pt x="309641" y="225160"/>
-                </a:cubicBezTo>
-                <a:cubicBezTo>
-                  <a:pt x="282892" y="251229"/>
-                  <a:pt x="279266" y="288859"/>
-                  <a:pt x="302841" y="374772"/>
-                </a:cubicBezTo>
-                <a:lnTo>
-                  <a:pt x="121266" y="376812"/>
-                </a:lnTo>
-                <a:lnTo>
-                  <a:pt x="109025" y="322355"/>
-                </a:lnTo>
-                <a:cubicBezTo>
-                  <a:pt x="76580" y="333165"/>
-                  <a:pt x="40716" y="329924"/>
-                  <a:pt x="28778" y="318327"/>
-                </a:cubicBezTo>
-                <a:cubicBezTo>
-                  <a:pt x="22923" y="311868"/>
-                  <a:pt x="25422" y="291738"/>
-                  <a:pt x="32859" y="276164"/>
-                </a:cubicBezTo>
-                <a:cubicBezTo>
-                  <a:pt x="35235" y="270344"/>
-                  <a:pt x="23179" y="268321"/>
-                  <a:pt x="20618" y="259843"/>
-                </a:cubicBezTo>
-                <a:cubicBezTo>
-                  <a:pt x="19440" y="251965"/>
-                  <a:pt x="27377" y="251682"/>
-                  <a:pt x="30757" y="247602"/>
-                </a:cubicBezTo>
-                <a:lnTo>
-                  <a:pt x="18516" y="238938"/>
-                </a:lnTo>
-                <a:cubicBezTo>
-                  <a:pt x="12669" y="232923"/>
-                  <a:pt x="25811" y="221592"/>
-                  <a:pt x="29458" y="212919"/>
-                </a:cubicBezTo>
-                <a:cubicBezTo>
-                  <a:pt x="16679" y="208924"/>
-                  <a:pt x="7006" y="203466"/>
-                  <a:pt x="307" y="196983"/>
-                </a:cubicBezTo>
-                <a:cubicBezTo>
-                  <a:pt x="-2572" y="186228"/>
-                  <a:pt x="15339" y="171234"/>
-                  <a:pt x="31089" y="151672"/>
-                </a:cubicBezTo>
-                <a:cubicBezTo>
-                  <a:pt x="47602" y="132201"/>
-                  <a:pt x="33821" y="117353"/>
-                  <a:pt x="46470" y="75544"/>
-                </a:cubicBezTo>
-                <a:cubicBezTo>
-                  <a:pt x="66559" y="23813"/>
-                  <a:pt x="114124" y="-1423"/>
-                  <a:pt x="190632" y="62"/>
-                </a:cubicBezTo>
-                <a:close/>
-              </a:path>
-            </a:pathLst>
-          </a:custGeom>
-          <a:solidFill>
-            <a:srgbClr val="CE6633"/>
-          </a:solidFill>
-          <a:ln>
-            <a:noFill/>
-          </a:ln>
-        </p:spPr>
-        <p:style>
-          <a:lnRef idx="2">
-            <a:schemeClr val="accent1">
-              <a:shade val="50000"/>
-            </a:schemeClr>
-          </a:lnRef>
-          <a:fillRef idx="1">
-            <a:schemeClr val="accent1"/>
-          </a:fillRef>
-          <a:effectRef idx="0">
-            <a:schemeClr val="accent1"/>
-          </a:effectRef>
-          <a:fontRef idx="minor">
-            <a:schemeClr val="lt1"/>
-          </a:fontRef>
-        </p:style>
-        <p:txBody>
-          <a:bodyPr rtlCol="0" anchor="ctr"/>
-          <a:lstStyle/>
-          <a:p>
-            <a:pPr algn="ctr"/>
-            <a:endParaRPr lang="ko-KR" altLang="en-US"/>
-          </a:p>
-        </p:txBody>
-      </p:sp>
-      <p:sp>
-        <p:nvSpPr>
-          <p:cNvPr id="25" name="Oval 25">
-            <a:extLst>
-              <a:ext uri="{FF2B5EF4-FFF2-40B4-BE49-F238E27FC236}">
-                <a16:creationId xmlns:a16="http://schemas.microsoft.com/office/drawing/2014/main" id="{61820DFB-CE8F-44A8-961A-826DD54D5754}"/>
-              </a:ext>
-            </a:extLst>
-          </p:cNvPr>
-          <p:cNvSpPr>
-            <a:spLocks noChangeAspect="1"/>
-          </p:cNvSpPr>
-          <p:nvPr/>
-        </p:nvSpPr>
-        <p:spPr>
-          <a:xfrm>
-            <a:off x="6194726" y="3335882"/>
-            <a:ext cx="359510" cy="360000"/>
-          </a:xfrm>
-          <a:custGeom>
-            <a:avLst/>
-            <a:gdLst/>
-            <a:ahLst/>
-            <a:cxnLst/>
-            <a:rect l="l" t="t" r="r" b="b"/>
-            <a:pathLst>
-              <a:path w="3225370" h="3229762">
-                <a:moveTo>
-                  <a:pt x="1355872" y="0"/>
-                </a:moveTo>
-                <a:cubicBezTo>
-                  <a:pt x="1564636" y="0"/>
-                  <a:pt x="1733872" y="169236"/>
-                  <a:pt x="1733872" y="378000"/>
-                </a:cubicBezTo>
-                <a:cubicBezTo>
-                  <a:pt x="1733872" y="530834"/>
-                  <a:pt x="1643169" y="662483"/>
-                  <a:pt x="1512292" y="721255"/>
-                </a:cubicBezTo>
-                <a:lnTo>
-                  <a:pt x="1607042" y="1169019"/>
-                </a:lnTo>
-                <a:cubicBezTo>
-                  <a:pt x="1611319" y="1167786"/>
-                  <a:pt x="1615651" y="1167712"/>
-                  <a:pt x="1620000" y="1167712"/>
-                </a:cubicBezTo>
-                <a:cubicBezTo>
-                  <a:pt x="1828764" y="1167712"/>
-                  <a:pt x="1998000" y="1336948"/>
-                  <a:pt x="1998000" y="1545712"/>
-                </a:cubicBezTo>
-                <a:lnTo>
-                  <a:pt x="1996362" y="1567711"/>
-                </a:lnTo>
-                <a:lnTo>
-                  <a:pt x="2525816" y="1711728"/>
-                </a:lnTo>
-                <a:cubicBezTo>
-                  <a:pt x="2591164" y="1602543"/>
-                  <a:pt x="2710810" y="1530128"/>
-                  <a:pt x="2847370" y="1530128"/>
-                </a:cubicBezTo>
-                <a:cubicBezTo>
-                  <a:pt x="3056134" y="1530128"/>
-                  <a:pt x="3225370" y="1699364"/>
-                  <a:pt x="3225370" y="1908128"/>
-                </a:cubicBezTo>
-                <a:cubicBezTo>
-                  <a:pt x="3225370" y="2116892"/>
-                  <a:pt x="3056134" y="2286128"/>
-                  <a:pt x="2847370" y="2286128"/>
-                </a:cubicBezTo>
-                <a:cubicBezTo>
-                  <a:pt x="2638606" y="2286128"/>
-                  <a:pt x="2469370" y="2116892"/>
-                  <a:pt x="2469370" y="1908128"/>
-                </a:cubicBezTo>
-                <a:lnTo>
-                  <a:pt x="2475505" y="1847275"/>
-                </a:lnTo>
-                <a:lnTo>
-                  <a:pt x="1957861" y="1706471"/>
-                </a:lnTo>
-                <a:cubicBezTo>
-                  <a:pt x="1922674" y="1789256"/>
-                  <a:pt x="1855841" y="1854310"/>
-                  <a:pt x="1773397" y="1890608"/>
-                </a:cubicBezTo>
-                <a:lnTo>
-                  <a:pt x="1908290" y="2478637"/>
-                </a:lnTo>
-                <a:cubicBezTo>
-                  <a:pt x="2094333" y="2500701"/>
-                  <a:pt x="2237929" y="2659462"/>
-                  <a:pt x="2237929" y="2851762"/>
-                </a:cubicBezTo>
-                <a:cubicBezTo>
-                  <a:pt x="2237929" y="3060526"/>
-                  <a:pt x="2068693" y="3229762"/>
-                  <a:pt x="1859929" y="3229762"/>
-                </a:cubicBezTo>
-                <a:cubicBezTo>
-                  <a:pt x="1651165" y="3229762"/>
-                  <a:pt x="1481929" y="3060526"/>
-                  <a:pt x="1481929" y="2851762"/>
-                </a:cubicBezTo>
-                <a:cubicBezTo>
-                  <a:pt x="1481929" y="2676759"/>
-                  <a:pt x="1600854" y="2529533"/>
-                  <a:pt x="1762693" y="2487978"/>
-                </a:cubicBezTo>
-                <a:lnTo>
-                  <a:pt x="1632951" y="1922407"/>
-                </a:lnTo>
-                <a:cubicBezTo>
-                  <a:pt x="1628677" y="1923639"/>
-                  <a:pt x="1624347" y="1923712"/>
-                  <a:pt x="1620000" y="1923712"/>
-                </a:cubicBezTo>
-                <a:cubicBezTo>
-                  <a:pt x="1474614" y="1923712"/>
-                  <a:pt x="1348399" y="1841634"/>
-                  <a:pt x="1286703" y="1720478"/>
-                </a:cubicBezTo>
-                <a:lnTo>
-                  <a:pt x="726463" y="1950491"/>
-                </a:lnTo>
-                <a:cubicBezTo>
-                  <a:pt x="745503" y="1995553"/>
-                  <a:pt x="756000" y="2045092"/>
-                  <a:pt x="756000" y="2097083"/>
-                </a:cubicBezTo>
-                <a:cubicBezTo>
-                  <a:pt x="756000" y="2305847"/>
-                  <a:pt x="586764" y="2475083"/>
-                  <a:pt x="378000" y="2475083"/>
-                </a:cubicBezTo>
-                <a:cubicBezTo>
-                  <a:pt x="169236" y="2475083"/>
-                  <a:pt x="0" y="2305847"/>
-                  <a:pt x="0" y="2097083"/>
-                </a:cubicBezTo>
-                <a:cubicBezTo>
-                  <a:pt x="0" y="1888319"/>
-                  <a:pt x="169236" y="1719083"/>
-                  <a:pt x="378000" y="1719083"/>
-                </a:cubicBezTo>
-                <a:cubicBezTo>
-                  <a:pt x="481765" y="1719083"/>
-                  <a:pt x="575764" y="1760894"/>
-                  <a:pt x="643957" y="1828700"/>
-                </a:cubicBezTo>
-                <a:lnTo>
-                  <a:pt x="1245626" y="1581679"/>
-                </a:lnTo>
-                <a:cubicBezTo>
-                  <a:pt x="1242578" y="1569964"/>
-                  <a:pt x="1242000" y="1557905"/>
-                  <a:pt x="1242000" y="1545712"/>
-                </a:cubicBezTo>
-                <a:cubicBezTo>
-                  <a:pt x="1242000" y="1391666"/>
-                  <a:pt x="1334148" y="1259142"/>
-                  <a:pt x="1466584" y="1200827"/>
-                </a:cubicBezTo>
-                <a:lnTo>
-                  <a:pt x="1372109" y="754363"/>
-                </a:lnTo>
-                <a:cubicBezTo>
-                  <a:pt x="1366762" y="755885"/>
-                  <a:pt x="1361331" y="756000"/>
-                  <a:pt x="1355872" y="756000"/>
-                </a:cubicBezTo>
-                <a:cubicBezTo>
-                  <a:pt x="1147108" y="756000"/>
-                  <a:pt x="977872" y="586764"/>
-                  <a:pt x="977872" y="378000"/>
-                </a:cubicBezTo>
-                <a:cubicBezTo>
-                  <a:pt x="977872" y="169236"/>
-                  <a:pt x="1147108" y="0"/>
-                  <a:pt x="1355872" y="0"/>
-                </a:cubicBezTo>
-                <a:close/>
-              </a:path>
-            </a:pathLst>
-          </a:custGeom>
-          <a:solidFill>
-            <a:schemeClr val="accent3"/>
-          </a:solidFill>
-          <a:ln>
-            <a:noFill/>
-          </a:ln>
-        </p:spPr>
-        <p:style>
-          <a:lnRef idx="2">
-            <a:schemeClr val="accent1">
-              <a:shade val="50000"/>
-            </a:schemeClr>
-          </a:lnRef>
-          <a:fillRef idx="1">
-            <a:schemeClr val="accent1"/>
-          </a:fillRef>
-          <a:effectRef idx="0">
-            <a:schemeClr val="accent1"/>
-          </a:effectRef>
-          <a:fontRef idx="minor">
-            <a:schemeClr val="lt1"/>
-          </a:fontRef>
-        </p:style>
-        <p:txBody>
-          <a:bodyPr rtlCol="0" anchor="ctr"/>
-          <a:lstStyle/>
-          <a:p>
-            <a:pPr algn="ctr"/>
-            <a:endParaRPr lang="ko-KR" altLang="en-US"/>
-          </a:p>
-        </p:txBody>
-      </p:sp>
-    </p:spTree>
-    <p:extLst>
-      <p:ext uri="{BB962C8B-B14F-4D97-AF65-F5344CB8AC3E}">
-        <p14:creationId xmlns:p14="http://schemas.microsoft.com/office/powerpoint/2010/main" val="1814468367"/>
-      </p:ext>
-    </p:extLst>
-  </p:cSld>
-  <p:clrMapOvr>
-    <a:masterClrMapping/>
-  </p:clrMapOvr>
-</p:sld>
-</file>
-
-<file path=ppt/slides/slide8.xml><?xml version="1.0" encoding="utf-8"?>
-<p:sld xmlns:a="http://schemas.openxmlformats.org/drawingml/2006/main" xmlns:r="http://schemas.openxmlformats.org/officeDocument/2006/relationships" xmlns:p="http://schemas.openxmlformats.org/presentationml/2006/main">
-  <p:cSld>
-    <p:spTree>
-      <p:nvGrpSpPr>
-        <p:cNvPr id="1" name=""/>
-        <p:cNvGrpSpPr/>
-        <p:nvPr/>
-      </p:nvGrpSpPr>
-      <p:grpSpPr>
-        <a:xfrm>
-          <a:off x="0" y="0"/>
-          <a:ext cx="0" cy="0"/>
-          <a:chOff x="0" y="0"/>
-          <a:chExt cx="0" cy="0"/>
-        </a:xfrm>
-      </p:grpSpPr>
-      <p:sp>
-        <p:nvSpPr>
-          <p:cNvPr id="13" name="Text Placeholder 1"/>
-          <p:cNvSpPr txBox="1">
-            <a:spLocks/>
-          </p:cNvSpPr>
-          <p:nvPr/>
-        </p:nvSpPr>
-        <p:spPr>
-          <a:xfrm>
-            <a:off x="219596" y="123478"/>
-            <a:ext cx="6912768" cy="576064"/>
-          </a:xfrm>
-          <a:prstGeom prst="rect">
-            <a:avLst/>
-          </a:prstGeom>
-        </p:spPr>
-        <p:txBody>
-          <a:bodyPr vert="horz" lIns="91440" tIns="45720" rIns="91440" bIns="45720" rtlCol="0" anchor="ctr">
-            <a:normAutofit fontScale="85000" lnSpcReduction="10000"/>
-          </a:bodyPr>
-          <a:lstStyle>
-            <a:lvl1pPr marL="0" indent="0" algn="l" defTabSz="685800" rtl="0" eaLnBrk="1" latinLnBrk="0" hangingPunct="1">
-              <a:lnSpc>
-                <a:spcPct val="120000"/>
-              </a:lnSpc>
-              <a:spcBef>
-                <a:spcPts val="750"/>
-              </a:spcBef>
-              <a:buClr>
-                <a:schemeClr val="tx1"/>
-              </a:buClr>
-              <a:buFont typeface="Arial" panose="020B0604020202020204" pitchFamily="34" charset="0"/>
-              <a:buNone/>
-              <a:defRPr sz="3600" b="0" kern="1200" cap="all" baseline="0">
-                <a:solidFill>
-                  <a:schemeClr val="tx1">
-                    <a:lumMod val="75000"/>
-                    <a:lumOff val="25000"/>
-                  </a:schemeClr>
-                </a:solidFill>
-                <a:effectLst/>
-                <a:latin typeface="+mj-lt"/>
-                <a:ea typeface="+mn-ea"/>
-                <a:cs typeface="Arial" pitchFamily="34" charset="0"/>
-              </a:defRPr>
-            </a:lvl1pPr>
-            <a:lvl2pPr marL="514350" indent="-171450" algn="l" defTabSz="685800" rtl="0" eaLnBrk="1" latinLnBrk="0" hangingPunct="1">
-              <a:lnSpc>
-                <a:spcPct val="120000"/>
-              </a:lnSpc>
-              <a:spcBef>
-                <a:spcPts val="375"/>
-              </a:spcBef>
-              <a:buClr>
-                <a:schemeClr val="tx1"/>
-              </a:buClr>
-              <a:buFont typeface="Arial" panose="020B0604020202020204" pitchFamily="34" charset="0"/>
-              <a:buChar char="•"/>
-              <a:defRPr sz="1350" kern="1200" cap="all" baseline="0">
-                <a:solidFill>
-                  <a:schemeClr val="tx1"/>
-                </a:solidFill>
-                <a:effectLst/>
-                <a:latin typeface="+mn-lt"/>
-                <a:ea typeface="+mn-ea"/>
-                <a:cs typeface="+mn-cs"/>
-              </a:defRPr>
-            </a:lvl2pPr>
-            <a:lvl3pPr marL="857250" indent="-171450" algn="l" defTabSz="685800" rtl="0" eaLnBrk="1" latinLnBrk="0" hangingPunct="1">
-              <a:lnSpc>
-                <a:spcPct val="120000"/>
-              </a:lnSpc>
-              <a:spcBef>
-                <a:spcPts val="375"/>
-              </a:spcBef>
-              <a:buClr>
-                <a:schemeClr val="tx1"/>
-              </a:buClr>
-              <a:buFont typeface="Arial" panose="020B0604020202020204" pitchFamily="34" charset="0"/>
-              <a:buChar char="•"/>
-              <a:defRPr sz="1200" kern="1200" cap="all" baseline="0">
-                <a:solidFill>
-                  <a:schemeClr val="tx1"/>
-                </a:solidFill>
-                <a:effectLst/>
-                <a:latin typeface="+mn-lt"/>
-                <a:ea typeface="+mn-ea"/>
-                <a:cs typeface="+mn-cs"/>
-              </a:defRPr>
-            </a:lvl3pPr>
-            <a:lvl4pPr marL="1200150" indent="-171450" algn="l" defTabSz="685800" rtl="0" eaLnBrk="1" latinLnBrk="0" hangingPunct="1">
-              <a:lnSpc>
-                <a:spcPct val="120000"/>
-              </a:lnSpc>
-              <a:spcBef>
-                <a:spcPts val="375"/>
-              </a:spcBef>
-              <a:buClr>
-                <a:schemeClr val="tx1"/>
-              </a:buClr>
-              <a:buFont typeface="Arial" panose="020B0604020202020204" pitchFamily="34" charset="0"/>
-              <a:buChar char="•"/>
-              <a:defRPr sz="1050" kern="1200" cap="all" baseline="0">
-                <a:solidFill>
-                  <a:schemeClr val="tx1"/>
-                </a:solidFill>
-                <a:effectLst/>
-                <a:latin typeface="+mn-lt"/>
-                <a:ea typeface="+mn-ea"/>
-                <a:cs typeface="+mn-cs"/>
-              </a:defRPr>
-            </a:lvl4pPr>
-            <a:lvl5pPr marL="1543050" indent="-171450" algn="l" defTabSz="685800" rtl="0" eaLnBrk="1" latinLnBrk="0" hangingPunct="1">
-              <a:lnSpc>
-                <a:spcPct val="120000"/>
-              </a:lnSpc>
-              <a:spcBef>
-                <a:spcPts val="375"/>
-              </a:spcBef>
-              <a:buClr>
-                <a:schemeClr val="tx1"/>
-              </a:buClr>
-              <a:buFont typeface="Arial" panose="020B0604020202020204" pitchFamily="34" charset="0"/>
-              <a:buChar char="•"/>
-              <a:defRPr sz="1050" kern="1200" cap="all" baseline="0">
-                <a:solidFill>
-                  <a:schemeClr val="tx1"/>
-                </a:solidFill>
-                <a:effectLst/>
-                <a:latin typeface="+mn-lt"/>
-                <a:ea typeface="+mn-ea"/>
-                <a:cs typeface="+mn-cs"/>
-              </a:defRPr>
-            </a:lvl5pPr>
-            <a:lvl6pPr marL="1885950" indent="-171450" algn="l" defTabSz="685800" rtl="0" eaLnBrk="1" latinLnBrk="0" hangingPunct="1">
-              <a:lnSpc>
-                <a:spcPct val="120000"/>
-              </a:lnSpc>
-              <a:spcBef>
-                <a:spcPts val="375"/>
-              </a:spcBef>
-              <a:buClr>
-                <a:schemeClr val="tx1"/>
-              </a:buClr>
-              <a:buFont typeface="Arial" panose="020B0604020202020204" pitchFamily="34" charset="0"/>
-              <a:buChar char="•"/>
-              <a:defRPr sz="1050" kern="1200" cap="all" baseline="0">
-                <a:solidFill>
-                  <a:schemeClr val="tx1"/>
-                </a:solidFill>
-                <a:effectLst/>
-                <a:latin typeface="+mn-lt"/>
-                <a:ea typeface="+mn-ea"/>
-                <a:cs typeface="+mn-cs"/>
-              </a:defRPr>
-            </a:lvl6pPr>
-            <a:lvl7pPr marL="2228850" indent="-171450" algn="l" defTabSz="685800" rtl="0" eaLnBrk="1" latinLnBrk="0" hangingPunct="1">
-              <a:lnSpc>
-                <a:spcPct val="120000"/>
-              </a:lnSpc>
-              <a:spcBef>
-                <a:spcPts val="375"/>
-              </a:spcBef>
-              <a:buClr>
-                <a:schemeClr val="tx1"/>
-              </a:buClr>
-              <a:buFont typeface="Arial" panose="020B0604020202020204" pitchFamily="34" charset="0"/>
-              <a:buChar char="•"/>
-              <a:defRPr sz="1050" kern="1200" cap="all" baseline="0">
-                <a:solidFill>
-                  <a:schemeClr val="tx1"/>
-                </a:solidFill>
-                <a:effectLst/>
-                <a:latin typeface="+mn-lt"/>
-                <a:ea typeface="+mn-ea"/>
-                <a:cs typeface="+mn-cs"/>
-              </a:defRPr>
-            </a:lvl7pPr>
-            <a:lvl8pPr marL="2571750" indent="-171450" algn="l" defTabSz="685800" rtl="0" eaLnBrk="1" latinLnBrk="0" hangingPunct="1">
-              <a:lnSpc>
-                <a:spcPct val="120000"/>
-              </a:lnSpc>
-              <a:spcBef>
-                <a:spcPts val="375"/>
-              </a:spcBef>
-              <a:buClr>
-                <a:schemeClr val="tx1"/>
-              </a:buClr>
-              <a:buFont typeface="Arial" panose="020B0604020202020204" pitchFamily="34" charset="0"/>
-              <a:buChar char="•"/>
-              <a:defRPr sz="1050" kern="1200" cap="all" baseline="0">
-                <a:solidFill>
-                  <a:schemeClr val="tx1"/>
-                </a:solidFill>
-                <a:effectLst/>
-                <a:latin typeface="+mn-lt"/>
-                <a:ea typeface="+mn-ea"/>
-                <a:cs typeface="+mn-cs"/>
-              </a:defRPr>
-            </a:lvl8pPr>
-            <a:lvl9pPr marL="2914650" indent="-171450" algn="l" defTabSz="685800" rtl="0" eaLnBrk="1" latinLnBrk="0" hangingPunct="1">
-              <a:lnSpc>
-                <a:spcPct val="120000"/>
-              </a:lnSpc>
-              <a:spcBef>
-                <a:spcPts val="375"/>
-              </a:spcBef>
-              <a:buClr>
-                <a:schemeClr val="tx1"/>
-              </a:buClr>
-              <a:buFont typeface="Arial" panose="020B0604020202020204" pitchFamily="34" charset="0"/>
-              <a:buChar char="•"/>
-              <a:defRPr sz="1050" kern="1200" cap="all" baseline="0">
-                <a:solidFill>
-                  <a:schemeClr val="tx1"/>
-                </a:solidFill>
-                <a:effectLst/>
-                <a:latin typeface="+mn-lt"/>
-                <a:ea typeface="+mn-ea"/>
-                <a:cs typeface="+mn-cs"/>
-              </a:defRPr>
-            </a:lvl9pPr>
-          </a:lstStyle>
-          <a:p>
-            <a:r>
-              <a:rPr lang="en-US" altLang="ko-KR" b="1" dirty="0" err="1">
-                <a:solidFill>
-                  <a:srgbClr val="5FBACE"/>
-                </a:solidFill>
-                <a:effectLst>
-                  <a:outerShdw blurRad="38100" dist="38100" dir="2700000" algn="tl">
-                    <a:srgbClr val="000000">
-                      <a:alpha val="43137"/>
-                    </a:srgbClr>
-                  </a:outerShdw>
-                </a:effectLst>
-                <a:latin typeface="Caviar Dreams" panose="020B0402020204020504" pitchFamily="34" charset="0"/>
-              </a:rPr>
-              <a:t>Preços</a:t>
-            </a:r>
-            <a:endParaRPr lang="ko-KR" altLang="en-US" b="1" dirty="0">
-              <a:solidFill>
-                <a:srgbClr val="5FBACE"/>
-              </a:solidFill>
-              <a:effectLst>
-                <a:outerShdw blurRad="38100" dist="38100" dir="2700000" algn="tl">
-                  <a:srgbClr val="000000">
-                    <a:alpha val="43137"/>
-                  </a:srgbClr>
-                </a:outerShdw>
-              </a:effectLst>
-              <a:latin typeface="Caviar Dreams" panose="020B0402020204020504" pitchFamily="34" charset="0"/>
-            </a:endParaRPr>
-          </a:p>
-        </p:txBody>
-      </p:sp>
-      <p:pic>
-        <p:nvPicPr>
-          <p:cNvPr id="14" name="Imagem 13"/>
-          <p:cNvPicPr>
-            <a:picLocks noChangeAspect="1"/>
-          </p:cNvPicPr>
-          <p:nvPr/>
-        </p:nvPicPr>
-        <p:blipFill rotWithShape="1">
-          <a:blip r:embed="rId2" cstate="print">
-            <a:extLst>
-              <a:ext uri="{28A0092B-C50C-407E-A947-70E740481C1C}">
-                <a14:useLocalDpi xmlns:a14="http://schemas.microsoft.com/office/drawing/2010/main" val="0"/>
-              </a:ext>
-            </a:extLst>
-          </a:blip>
-          <a:srcRect l="8168" t="4473" r="37739" b="-638"/>
-          <a:stretch/>
-        </p:blipFill>
-        <p:spPr>
-          <a:xfrm>
-            <a:off x="7833304" y="90133"/>
-            <a:ext cx="1218818" cy="1218818"/>
-          </a:xfrm>
-          <a:prstGeom prst="rect">
-            <a:avLst/>
-          </a:prstGeom>
-        </p:spPr>
-      </p:pic>
-      <p:pic>
-        <p:nvPicPr>
-          <p:cNvPr id="3" name="Imagem 2">
-            <a:extLst>
-              <a:ext uri="{FF2B5EF4-FFF2-40B4-BE49-F238E27FC236}">
-                <a16:creationId xmlns:a16="http://schemas.microsoft.com/office/drawing/2014/main" id="{DE1C2000-7126-4DB9-A50B-97E823996D12}"/>
-              </a:ext>
-            </a:extLst>
-          </p:cNvPr>
-          <p:cNvPicPr>
-            <a:picLocks noChangeAspect="1"/>
-          </p:cNvPicPr>
-          <p:nvPr/>
-        </p:nvPicPr>
-        <p:blipFill rotWithShape="1">
-          <a:blip r:embed="rId3"/>
-          <a:srcRect t="9309"/>
-          <a:stretch/>
-        </p:blipFill>
-        <p:spPr>
-          <a:xfrm>
-            <a:off x="1259632" y="1203598"/>
-            <a:ext cx="6363924" cy="3507854"/>
-          </a:xfrm>
-          <a:prstGeom prst="roundRect">
-            <a:avLst>
-              <a:gd name="adj" fmla="val 16667"/>
-            </a:avLst>
-          </a:prstGeom>
-          <a:ln>
-            <a:noFill/>
-          </a:ln>
-          <a:effectLst>
-            <a:outerShdw blurRad="76200" dist="38100" dir="7800000" algn="tl" rotWithShape="0">
-              <a:srgbClr val="000000">
-                <a:alpha val="40000"/>
-              </a:srgbClr>
-            </a:outerShdw>
-          </a:effectLst>
-          <a:scene3d>
-            <a:camera prst="orthographicFront"/>
-            <a:lightRig rig="contrasting" dir="t">
-              <a:rot lat="0" lon="0" rev="4200000"/>
-            </a:lightRig>
-          </a:scene3d>
-          <a:sp3d prstMaterial="plastic">
-            <a:bevelT w="381000" h="114300" prst="relaxedInset"/>
-            <a:contourClr>
-              <a:srgbClr val="969696"/>
-            </a:contourClr>
-          </a:sp3d>
-        </p:spPr>
-      </p:pic>
-    </p:spTree>
-    <p:extLst>
-      <p:ext uri="{BB962C8B-B14F-4D97-AF65-F5344CB8AC3E}">
-        <p14:creationId xmlns:p14="http://schemas.microsoft.com/office/powerpoint/2010/main" val="2401853048"/>
-      </p:ext>
-    </p:extLst>
-  </p:cSld>
-  <p:clrMapOvr>
-    <a:masterClrMapping/>
-  </p:clrMapOvr>
-</p:sld>
-</file>
-
-<file path=ppt/slides/slide9.xml><?xml version="1.0" encoding="utf-8"?>
 <p:sld xmlns:a="http://schemas.openxmlformats.org/drawingml/2006/main" xmlns:r="http://schemas.openxmlformats.org/officeDocument/2006/relationships" xmlns:p="http://schemas.openxmlformats.org/presentationml/2006/main">
   <p:cSld>
     <p:bg>
